--- a/Product Architecture.pptx
+++ b/Product Architecture.pptx
@@ -6,15 +6,16 @@
   </p:sldMasterIdLst>
   <p:sldIdLst>
     <p:sldId id="256" r:id="rId2"/>
-    <p:sldId id="257" r:id="rId3"/>
-    <p:sldId id="258" r:id="rId4"/>
-    <p:sldId id="260" r:id="rId5"/>
-    <p:sldId id="261" r:id="rId6"/>
-    <p:sldId id="262" r:id="rId7"/>
-    <p:sldId id="263" r:id="rId8"/>
-    <p:sldId id="264" r:id="rId9"/>
-    <p:sldId id="259" r:id="rId10"/>
-    <p:sldId id="265" r:id="rId11"/>
+    <p:sldId id="268" r:id="rId3"/>
+    <p:sldId id="260" r:id="rId4"/>
+    <p:sldId id="261" r:id="rId5"/>
+    <p:sldId id="262" r:id="rId6"/>
+    <p:sldId id="263" r:id="rId7"/>
+    <p:sldId id="264" r:id="rId8"/>
+    <p:sldId id="259" r:id="rId9"/>
+    <p:sldId id="265" r:id="rId10"/>
+    <p:sldId id="266" r:id="rId11"/>
+    <p:sldId id="267" r:id="rId12"/>
   </p:sldIdLst>
   <p:sldSz cx="9144000" cy="6858000" type="screen4x3"/>
   <p:notesSz cx="6858000" cy="9144000"/>
@@ -3779,6 +3780,88 @@
         </p:nvSpPr>
         <p:spPr/>
         <p:txBody>
+          <a:bodyPr/>
+          <a:lstStyle/>
+          <a:p>
+            <a:r>
+              <a:rPr lang="en-US" dirty="0" smtClean="0"/>
+              <a:t>Simple Code Class Diagram</a:t>
+            </a:r>
+            <a:endParaRPr lang="en-US" dirty="0"/>
+          </a:p>
+        </p:txBody>
+      </p:sp>
+      <p:pic>
+        <p:nvPicPr>
+          <p:cNvPr id="4" name="Content Placeholder 3"/>
+          <p:cNvPicPr>
+            <a:picLocks noGrp="1" noChangeAspect="1"/>
+          </p:cNvPicPr>
+          <p:nvPr>
+            <p:ph sz="quarter" idx="1"/>
+          </p:nvPr>
+        </p:nvPicPr>
+        <p:blipFill>
+          <a:blip r:embed="rId2" cstate="print">
+            <a:extLst>
+              <a:ext uri="{28A0092B-C50C-407E-A947-70E740481C1C}">
+                <a14:useLocalDpi xmlns:a14="http://schemas.microsoft.com/office/drawing/2010/main" val="0"/>
+              </a:ext>
+            </a:extLst>
+          </a:blip>
+          <a:stretch>
+            <a:fillRect/>
+          </a:stretch>
+        </p:blipFill>
+        <p:spPr>
+          <a:xfrm>
+            <a:off x="304800" y="1524000"/>
+            <a:ext cx="8558496" cy="5257800"/>
+          </a:xfrm>
+        </p:spPr>
+      </p:pic>
+    </p:spTree>
+    <p:extLst>
+      <p:ext uri="{BB962C8B-B14F-4D97-AF65-F5344CB8AC3E}">
+        <p14:creationId xmlns:p14="http://schemas.microsoft.com/office/powerpoint/2010/main" val="4013407537"/>
+      </p:ext>
+    </p:extLst>
+  </p:cSld>
+  <p:clrMapOvr>
+    <a:masterClrMapping/>
+  </p:clrMapOvr>
+</p:sld>
+</file>
+
+<file path=ppt/slides/slide11.xml><?xml version="1.0" encoding="utf-8"?>
+<p:sld xmlns:a="http://schemas.openxmlformats.org/drawingml/2006/main" xmlns:r="http://schemas.openxmlformats.org/officeDocument/2006/relationships" xmlns:p="http://schemas.openxmlformats.org/presentationml/2006/main">
+  <p:cSld>
+    <p:spTree>
+      <p:nvGrpSpPr>
+        <p:cNvPr id="1" name=""/>
+        <p:cNvGrpSpPr/>
+        <p:nvPr/>
+      </p:nvGrpSpPr>
+      <p:grpSpPr>
+        <a:xfrm>
+          <a:off x="0" y="0"/>
+          <a:ext cx="0" cy="0"/>
+          <a:chOff x="0" y="0"/>
+          <a:chExt cx="0" cy="0"/>
+        </a:xfrm>
+      </p:grpSpPr>
+      <p:sp>
+        <p:nvSpPr>
+          <p:cNvPr id="2" name="Title 1"/>
+          <p:cNvSpPr>
+            <a:spLocks noGrp="1"/>
+          </p:cNvSpPr>
+          <p:nvPr>
+            <p:ph type="title"/>
+          </p:nvPr>
+        </p:nvSpPr>
+        <p:spPr/>
+        <p:txBody>
           <a:bodyPr>
             <a:normAutofit/>
           </a:bodyPr>
@@ -3786,35 +3869,45 @@
           <a:p>
             <a:r>
               <a:rPr lang="en-US" dirty="0" smtClean="0"/>
-              <a:t>State Diagram</a:t>
+              <a:t>Database Class Diagram</a:t>
             </a:r>
             <a:endParaRPr lang="en-US" dirty="0"/>
           </a:p>
         </p:txBody>
       </p:sp>
-      <p:sp>
-        <p:nvSpPr>
-          <p:cNvPr id="3" name="Content Placeholder 2"/>
-          <p:cNvSpPr>
-            <a:spLocks noGrp="1"/>
-          </p:cNvSpPr>
+      <p:pic>
+        <p:nvPicPr>
+          <p:cNvPr id="4" name="Content Placeholder 3"/>
+          <p:cNvPicPr>
+            <a:picLocks noGrp="1" noChangeAspect="1"/>
+          </p:cNvPicPr>
           <p:nvPr>
             <p:ph sz="quarter" idx="1"/>
           </p:nvPr>
-        </p:nvSpPr>
-        <p:spPr/>
-        <p:txBody>
-          <a:bodyPr/>
-          <a:lstStyle/>
-          <a:p>
-            <a:endParaRPr lang="en-US"/>
-          </a:p>
-        </p:txBody>
-      </p:sp>
+        </p:nvPicPr>
+        <p:blipFill>
+          <a:blip r:embed="rId2">
+            <a:extLst>
+              <a:ext uri="{28A0092B-C50C-407E-A947-70E740481C1C}">
+                <a14:useLocalDpi xmlns:a14="http://schemas.microsoft.com/office/drawing/2010/main" val="0"/>
+              </a:ext>
+            </a:extLst>
+          </a:blip>
+          <a:stretch>
+            <a:fillRect/>
+          </a:stretch>
+        </p:blipFill>
+        <p:spPr>
+          <a:xfrm>
+            <a:off x="612775" y="1695362"/>
+            <a:ext cx="8153400" cy="4305475"/>
+          </a:xfrm>
+        </p:spPr>
+      </p:pic>
     </p:spTree>
     <p:extLst>
       <p:ext uri="{BB962C8B-B14F-4D97-AF65-F5344CB8AC3E}">
-        <p14:creationId xmlns:p14="http://schemas.microsoft.com/office/powerpoint/2010/main" val="3783392761"/>
+        <p14:creationId xmlns:p14="http://schemas.microsoft.com/office/powerpoint/2010/main" val="1590624354"/>
       </p:ext>
     </p:extLst>
   </p:cSld>
@@ -3858,45 +3951,232 @@
           <a:p>
             <a:r>
               <a:rPr lang="en-US" dirty="0" smtClean="0"/>
-              <a:t>Simple Code Class Diagram</a:t>
+              <a:t>Overall Architecture</a:t>
             </a:r>
             <a:endParaRPr lang="en-US" dirty="0"/>
           </a:p>
         </p:txBody>
       </p:sp>
-      <p:pic>
-        <p:nvPicPr>
-          <p:cNvPr id="4" name="Content Placeholder 3"/>
-          <p:cNvPicPr>
-            <a:picLocks noGrp="1" noChangeAspect="1"/>
-          </p:cNvPicPr>
-          <p:nvPr>
-            <p:ph sz="quarter" idx="1"/>
-          </p:nvPr>
-        </p:nvPicPr>
-        <p:blipFill>
-          <a:blip r:embed="rId2" cstate="print">
-            <a:extLst>
-              <a:ext uri="{28A0092B-C50C-407E-A947-70E740481C1C}">
-                <a14:useLocalDpi xmlns:a14="http://schemas.microsoft.com/office/drawing/2010/main" val="0"/>
-              </a:ext>
-            </a:extLst>
-          </a:blip>
-          <a:stretch>
-            <a:fillRect/>
-          </a:stretch>
-        </p:blipFill>
-        <p:spPr>
-          <a:xfrm>
-            <a:off x="304800" y="1524000"/>
-            <a:ext cx="8558496" cy="5257800"/>
-          </a:xfrm>
-        </p:spPr>
-      </p:pic>
+      <p:sp>
+        <p:nvSpPr>
+          <p:cNvPr id="4" name="Rectangle 3"/>
+          <p:cNvSpPr/>
+          <p:nvPr/>
+        </p:nvSpPr>
+        <p:spPr>
+          <a:xfrm>
+            <a:off x="457200" y="2209800"/>
+            <a:ext cx="8153400" cy="1143000"/>
+          </a:xfrm>
+          <a:prstGeom prst="rect">
+            <a:avLst/>
+          </a:prstGeom>
+          <a:solidFill>
+            <a:srgbClr val="775F55"/>
+          </a:solidFill>
+          <a:ln w="25400">
+            <a:solidFill>
+              <a:schemeClr val="bg2">
+                <a:lumMod val="10000"/>
+              </a:schemeClr>
+            </a:solidFill>
+          </a:ln>
+        </p:spPr>
+        <p:style>
+          <a:lnRef idx="2">
+            <a:schemeClr val="accent1">
+              <a:shade val="50000"/>
+            </a:schemeClr>
+          </a:lnRef>
+          <a:fillRef idx="1">
+            <a:schemeClr val="accent1"/>
+          </a:fillRef>
+          <a:effectRef idx="0">
+            <a:schemeClr val="accent1"/>
+          </a:effectRef>
+          <a:fontRef idx="minor">
+            <a:schemeClr val="lt1"/>
+          </a:fontRef>
+        </p:style>
+        <p:txBody>
+          <a:bodyPr rtlCol="0" anchor="ctr"/>
+          <a:lstStyle/>
+          <a:p>
+            <a:pPr algn="ctr"/>
+            <a:r>
+              <a:rPr lang="en-US" sz="3200" dirty="0" smtClean="0"/>
+              <a:t>Android Material Design UI</a:t>
+            </a:r>
+            <a:endParaRPr lang="en-US" sz="3200" dirty="0"/>
+          </a:p>
+        </p:txBody>
+      </p:sp>
+      <p:sp>
+        <p:nvSpPr>
+          <p:cNvPr id="5" name="Rectangle 4"/>
+          <p:cNvSpPr/>
+          <p:nvPr/>
+        </p:nvSpPr>
+        <p:spPr>
+          <a:xfrm>
+            <a:off x="457200" y="3581400"/>
+            <a:ext cx="8153400" cy="1143000"/>
+          </a:xfrm>
+          <a:prstGeom prst="rect">
+            <a:avLst/>
+          </a:prstGeom>
+          <a:solidFill>
+            <a:srgbClr val="775F55"/>
+          </a:solidFill>
+          <a:ln w="25400">
+            <a:solidFill>
+              <a:schemeClr val="bg2">
+                <a:lumMod val="10000"/>
+              </a:schemeClr>
+            </a:solidFill>
+          </a:ln>
+        </p:spPr>
+        <p:style>
+          <a:lnRef idx="2">
+            <a:schemeClr val="accent1">
+              <a:shade val="50000"/>
+            </a:schemeClr>
+          </a:lnRef>
+          <a:fillRef idx="1">
+            <a:schemeClr val="accent1"/>
+          </a:fillRef>
+          <a:effectRef idx="0">
+            <a:schemeClr val="accent1"/>
+          </a:effectRef>
+          <a:fontRef idx="minor">
+            <a:schemeClr val="lt1"/>
+          </a:fontRef>
+        </p:style>
+        <p:txBody>
+          <a:bodyPr rtlCol="0" anchor="ctr"/>
+          <a:lstStyle/>
+          <a:p>
+            <a:pPr algn="ctr"/>
+            <a:r>
+              <a:rPr lang="en-US" sz="3200" dirty="0" smtClean="0"/>
+              <a:t>Application Code</a:t>
+            </a:r>
+            <a:endParaRPr lang="en-US" sz="3200" dirty="0"/>
+          </a:p>
+        </p:txBody>
+      </p:sp>
+      <p:sp>
+        <p:nvSpPr>
+          <p:cNvPr id="6" name="Rectangle 5"/>
+          <p:cNvSpPr/>
+          <p:nvPr/>
+        </p:nvSpPr>
+        <p:spPr>
+          <a:xfrm>
+            <a:off x="455776" y="4953000"/>
+            <a:ext cx="3811424" cy="1143000"/>
+          </a:xfrm>
+          <a:prstGeom prst="rect">
+            <a:avLst/>
+          </a:prstGeom>
+          <a:solidFill>
+            <a:srgbClr val="775F55"/>
+          </a:solidFill>
+          <a:ln w="25400">
+            <a:solidFill>
+              <a:schemeClr val="bg2">
+                <a:lumMod val="10000"/>
+              </a:schemeClr>
+            </a:solidFill>
+          </a:ln>
+        </p:spPr>
+        <p:style>
+          <a:lnRef idx="2">
+            <a:schemeClr val="accent1">
+              <a:shade val="50000"/>
+            </a:schemeClr>
+          </a:lnRef>
+          <a:fillRef idx="1">
+            <a:schemeClr val="accent1"/>
+          </a:fillRef>
+          <a:effectRef idx="0">
+            <a:schemeClr val="accent1"/>
+          </a:effectRef>
+          <a:fontRef idx="minor">
+            <a:schemeClr val="lt1"/>
+          </a:fontRef>
+        </p:style>
+        <p:txBody>
+          <a:bodyPr rtlCol="0" anchor="ctr"/>
+          <a:lstStyle/>
+          <a:p>
+            <a:pPr algn="ctr"/>
+            <a:r>
+              <a:rPr lang="en-US" sz="3200" dirty="0" smtClean="0"/>
+              <a:t>Android OS</a:t>
+            </a:r>
+            <a:endParaRPr lang="en-US" sz="3200" dirty="0"/>
+          </a:p>
+        </p:txBody>
+      </p:sp>
+      <p:sp>
+        <p:nvSpPr>
+          <p:cNvPr id="7" name="Rectangle 6"/>
+          <p:cNvSpPr/>
+          <p:nvPr/>
+        </p:nvSpPr>
+        <p:spPr>
+          <a:xfrm>
+            <a:off x="4724399" y="4953000"/>
+            <a:ext cx="3919671" cy="1143000"/>
+          </a:xfrm>
+          <a:prstGeom prst="rect">
+            <a:avLst/>
+          </a:prstGeom>
+          <a:solidFill>
+            <a:srgbClr val="775F55"/>
+          </a:solidFill>
+          <a:ln w="25400">
+            <a:solidFill>
+              <a:schemeClr val="bg2">
+                <a:lumMod val="10000"/>
+              </a:schemeClr>
+            </a:solidFill>
+          </a:ln>
+        </p:spPr>
+        <p:style>
+          <a:lnRef idx="2">
+            <a:schemeClr val="accent1">
+              <a:shade val="50000"/>
+            </a:schemeClr>
+          </a:lnRef>
+          <a:fillRef idx="1">
+            <a:schemeClr val="accent1"/>
+          </a:fillRef>
+          <a:effectRef idx="0">
+            <a:schemeClr val="accent1"/>
+          </a:effectRef>
+          <a:fontRef idx="minor">
+            <a:schemeClr val="lt1"/>
+          </a:fontRef>
+        </p:style>
+        <p:txBody>
+          <a:bodyPr rtlCol="0" anchor="ctr"/>
+          <a:lstStyle/>
+          <a:p>
+            <a:pPr algn="ctr"/>
+            <a:r>
+              <a:rPr lang="en-US" sz="3200" dirty="0" smtClean="0"/>
+              <a:t>SQLite DB</a:t>
+            </a:r>
+            <a:endParaRPr lang="en-US" sz="3200" dirty="0"/>
+          </a:p>
+        </p:txBody>
+      </p:sp>
     </p:spTree>
     <p:extLst>
       <p:ext uri="{BB962C8B-B14F-4D97-AF65-F5344CB8AC3E}">
-        <p14:creationId xmlns:p14="http://schemas.microsoft.com/office/powerpoint/2010/main" val="2576772228"/>
+        <p14:creationId xmlns:p14="http://schemas.microsoft.com/office/powerpoint/2010/main" val="2602637525"/>
       </p:ext>
     </p:extLst>
   </p:cSld>
@@ -3907,90 +4187,6 @@
 </file>
 
 <file path=ppt/slides/slide3.xml><?xml version="1.0" encoding="utf-8"?>
-<p:sld xmlns:a="http://schemas.openxmlformats.org/drawingml/2006/main" xmlns:r="http://schemas.openxmlformats.org/officeDocument/2006/relationships" xmlns:p="http://schemas.openxmlformats.org/presentationml/2006/main">
-  <p:cSld>
-    <p:spTree>
-      <p:nvGrpSpPr>
-        <p:cNvPr id="1" name=""/>
-        <p:cNvGrpSpPr/>
-        <p:nvPr/>
-      </p:nvGrpSpPr>
-      <p:grpSpPr>
-        <a:xfrm>
-          <a:off x="0" y="0"/>
-          <a:ext cx="0" cy="0"/>
-          <a:chOff x="0" y="0"/>
-          <a:chExt cx="0" cy="0"/>
-        </a:xfrm>
-      </p:grpSpPr>
-      <p:sp>
-        <p:nvSpPr>
-          <p:cNvPr id="2" name="Title 1"/>
-          <p:cNvSpPr>
-            <a:spLocks noGrp="1"/>
-          </p:cNvSpPr>
-          <p:nvPr>
-            <p:ph type="title"/>
-          </p:nvPr>
-        </p:nvSpPr>
-        <p:spPr/>
-        <p:txBody>
-          <a:bodyPr>
-            <a:normAutofit/>
-          </a:bodyPr>
-          <a:lstStyle/>
-          <a:p>
-            <a:r>
-              <a:rPr lang="en-US" dirty="0" smtClean="0"/>
-              <a:t>Database Class Diagram</a:t>
-            </a:r>
-            <a:endParaRPr lang="en-US" dirty="0"/>
-          </a:p>
-        </p:txBody>
-      </p:sp>
-      <p:pic>
-        <p:nvPicPr>
-          <p:cNvPr id="4" name="Content Placeholder 3"/>
-          <p:cNvPicPr>
-            <a:picLocks noGrp="1" noChangeAspect="1"/>
-          </p:cNvPicPr>
-          <p:nvPr>
-            <p:ph sz="quarter" idx="1"/>
-          </p:nvPr>
-        </p:nvPicPr>
-        <p:blipFill>
-          <a:blip r:embed="rId2">
-            <a:extLst>
-              <a:ext uri="{28A0092B-C50C-407E-A947-70E740481C1C}">
-                <a14:useLocalDpi xmlns:a14="http://schemas.microsoft.com/office/drawing/2010/main" val="0"/>
-              </a:ext>
-            </a:extLst>
-          </a:blip>
-          <a:stretch>
-            <a:fillRect/>
-          </a:stretch>
-        </p:blipFill>
-        <p:spPr>
-          <a:xfrm>
-            <a:off x="612775" y="1695362"/>
-            <a:ext cx="8153400" cy="4305475"/>
-          </a:xfrm>
-        </p:spPr>
-      </p:pic>
-    </p:spTree>
-    <p:extLst>
-      <p:ext uri="{BB962C8B-B14F-4D97-AF65-F5344CB8AC3E}">
-        <p14:creationId xmlns:p14="http://schemas.microsoft.com/office/powerpoint/2010/main" val="2857689794"/>
-      </p:ext>
-    </p:extLst>
-  </p:cSld>
-  <p:clrMapOvr>
-    <a:masterClrMapping/>
-  </p:clrMapOvr>
-</p:sld>
-</file>
-
-<file path=ppt/slides/slide4.xml><?xml version="1.0" encoding="utf-8"?>
 <p:sld xmlns:a="http://schemas.openxmlformats.org/drawingml/2006/main" xmlns:r="http://schemas.openxmlformats.org/officeDocument/2006/relationships" xmlns:p="http://schemas.openxmlformats.org/presentationml/2006/main">
   <p:cSld>
     <p:spTree>
@@ -4363,10 +4559,9 @@
             <a:avLst/>
           </a:prstGeom>
           <a:solidFill>
-            <a:schemeClr val="accent1">
-              <a:lumMod val="20000"/>
-              <a:lumOff val="80000"/>
-            </a:schemeClr>
+            <a:srgbClr val="775F55">
+              <a:alpha val="41000"/>
+            </a:srgbClr>
           </a:solidFill>
         </p:spPr>
         <p:style>
@@ -4439,6 +4634,16 @@
           <a:prstGeom prst="rect">
             <a:avLst/>
           </a:prstGeom>
+          <a:solidFill>
+            <a:srgbClr val="775F55"/>
+          </a:solidFill>
+          <a:ln>
+            <a:solidFill>
+              <a:schemeClr val="bg2">
+                <a:lumMod val="10000"/>
+              </a:schemeClr>
+            </a:solidFill>
+          </a:ln>
         </p:spPr>
         <p:style>
           <a:lnRef idx="2">
@@ -4483,6 +4688,16 @@
           <a:prstGeom prst="rect">
             <a:avLst/>
           </a:prstGeom>
+          <a:solidFill>
+            <a:srgbClr val="775F55"/>
+          </a:solidFill>
+          <a:ln>
+            <a:solidFill>
+              <a:schemeClr val="bg2">
+                <a:lumMod val="10000"/>
+              </a:schemeClr>
+            </a:solidFill>
+          </a:ln>
         </p:spPr>
         <p:style>
           <a:lnRef idx="2">
@@ -4527,6 +4742,16 @@
           <a:prstGeom prst="rect">
             <a:avLst/>
           </a:prstGeom>
+          <a:solidFill>
+            <a:srgbClr val="775F55"/>
+          </a:solidFill>
+          <a:ln>
+            <a:solidFill>
+              <a:schemeClr val="bg2">
+                <a:lumMod val="10000"/>
+              </a:schemeClr>
+            </a:solidFill>
+          </a:ln>
         </p:spPr>
         <p:style>
           <a:lnRef idx="2">
@@ -4571,6 +4796,16 @@
           <a:prstGeom prst="rect">
             <a:avLst/>
           </a:prstGeom>
+          <a:solidFill>
+            <a:srgbClr val="775F55"/>
+          </a:solidFill>
+          <a:ln>
+            <a:solidFill>
+              <a:schemeClr val="bg2">
+                <a:lumMod val="10000"/>
+              </a:schemeClr>
+            </a:solidFill>
+          </a:ln>
         </p:spPr>
         <p:style>
           <a:lnRef idx="2">
@@ -4615,6 +4850,16 @@
           <a:prstGeom prst="rect">
             <a:avLst/>
           </a:prstGeom>
+          <a:solidFill>
+            <a:srgbClr val="775F55"/>
+          </a:solidFill>
+          <a:ln>
+            <a:solidFill>
+              <a:schemeClr val="bg2">
+                <a:lumMod val="10000"/>
+              </a:schemeClr>
+            </a:solidFill>
+          </a:ln>
         </p:spPr>
         <p:style>
           <a:lnRef idx="2">
@@ -4845,6 +5090,78 @@
     <p:extLst>
       <p:ext uri="{BB962C8B-B14F-4D97-AF65-F5344CB8AC3E}">
         <p14:creationId xmlns:p14="http://schemas.microsoft.com/office/powerpoint/2010/main" val="1499432715"/>
+      </p:ext>
+    </p:extLst>
+  </p:cSld>
+  <p:clrMapOvr>
+    <a:masterClrMapping/>
+  </p:clrMapOvr>
+</p:sld>
+</file>
+
+<file path=ppt/slides/slide4.xml><?xml version="1.0" encoding="utf-8"?>
+<p:sld xmlns:a="http://schemas.openxmlformats.org/drawingml/2006/main" xmlns:r="http://schemas.openxmlformats.org/officeDocument/2006/relationships" xmlns:p="http://schemas.openxmlformats.org/presentationml/2006/main">
+  <p:cSld>
+    <p:spTree>
+      <p:nvGrpSpPr>
+        <p:cNvPr id="1" name=""/>
+        <p:cNvGrpSpPr/>
+        <p:nvPr/>
+      </p:nvGrpSpPr>
+      <p:grpSpPr>
+        <a:xfrm>
+          <a:off x="0" y="0"/>
+          <a:ext cx="0" cy="0"/>
+          <a:chOff x="0" y="0"/>
+          <a:chExt cx="0" cy="0"/>
+        </a:xfrm>
+      </p:grpSpPr>
+      <p:sp>
+        <p:nvSpPr>
+          <p:cNvPr id="2" name="Title 1"/>
+          <p:cNvSpPr>
+            <a:spLocks noGrp="1"/>
+          </p:cNvSpPr>
+          <p:nvPr>
+            <p:ph type="title"/>
+          </p:nvPr>
+        </p:nvSpPr>
+        <p:spPr/>
+        <p:txBody>
+          <a:bodyPr/>
+          <a:lstStyle/>
+          <a:p>
+            <a:r>
+              <a:rPr lang="en-US" dirty="0" smtClean="0"/>
+              <a:t>Context Model</a:t>
+            </a:r>
+            <a:endParaRPr lang="en-US" dirty="0"/>
+          </a:p>
+        </p:txBody>
+      </p:sp>
+      <p:sp>
+        <p:nvSpPr>
+          <p:cNvPr id="3" name="Content Placeholder 2"/>
+          <p:cNvSpPr>
+            <a:spLocks noGrp="1"/>
+          </p:cNvSpPr>
+          <p:nvPr>
+            <p:ph sz="quarter" idx="1"/>
+          </p:nvPr>
+        </p:nvSpPr>
+        <p:spPr/>
+        <p:txBody>
+          <a:bodyPr/>
+          <a:lstStyle/>
+          <a:p>
+            <a:endParaRPr lang="en-US"/>
+          </a:p>
+        </p:txBody>
+      </p:sp>
+    </p:spTree>
+    <p:extLst>
+      <p:ext uri="{BB962C8B-B14F-4D97-AF65-F5344CB8AC3E}">
+        <p14:creationId xmlns:p14="http://schemas.microsoft.com/office/powerpoint/2010/main" val="2630337632"/>
       </p:ext>
     </p:extLst>
   </p:cSld>
@@ -4888,7 +5205,7 @@
           <a:p>
             <a:r>
               <a:rPr lang="en-US" dirty="0" smtClean="0"/>
-              <a:t>Context Model</a:t>
+              <a:t>Activity Diagram</a:t>
             </a:r>
             <a:endParaRPr lang="en-US" dirty="0"/>
           </a:p>
@@ -4916,7 +5233,7 @@
     </p:spTree>
     <p:extLst>
       <p:ext uri="{BB962C8B-B14F-4D97-AF65-F5344CB8AC3E}">
-        <p14:creationId xmlns:p14="http://schemas.microsoft.com/office/powerpoint/2010/main" val="2630337632"/>
+        <p14:creationId xmlns:p14="http://schemas.microsoft.com/office/powerpoint/2010/main" val="2857822548"/>
       </p:ext>
     </p:extLst>
   </p:cSld>
@@ -4955,12 +5272,14 @@
         </p:nvSpPr>
         <p:spPr/>
         <p:txBody>
-          <a:bodyPr/>
+          <a:bodyPr>
+            <a:normAutofit/>
+          </a:bodyPr>
           <a:lstStyle/>
           <a:p>
             <a:r>
               <a:rPr lang="en-US" dirty="0" smtClean="0"/>
-              <a:t>Activity Diagram</a:t>
+              <a:t>Use Case 1</a:t>
             </a:r>
             <a:endParaRPr lang="en-US" dirty="0"/>
           </a:p>
@@ -4988,7 +5307,7 @@
     </p:spTree>
     <p:extLst>
       <p:ext uri="{BB962C8B-B14F-4D97-AF65-F5344CB8AC3E}">
-        <p14:creationId xmlns:p14="http://schemas.microsoft.com/office/powerpoint/2010/main" val="2857822548"/>
+        <p14:creationId xmlns:p14="http://schemas.microsoft.com/office/powerpoint/2010/main" val="3457432064"/>
       </p:ext>
     </p:extLst>
   </p:cSld>
@@ -5027,14 +5346,12 @@
         </p:nvSpPr>
         <p:spPr/>
         <p:txBody>
-          <a:bodyPr>
-            <a:normAutofit/>
-          </a:bodyPr>
+          <a:bodyPr/>
           <a:lstStyle/>
           <a:p>
             <a:r>
               <a:rPr lang="en-US" dirty="0" smtClean="0"/>
-              <a:t>Use Case 1</a:t>
+              <a:t>Use Case 2</a:t>
             </a:r>
             <a:endParaRPr lang="en-US" dirty="0"/>
           </a:p>
@@ -5062,7 +5379,7 @@
     </p:spTree>
     <p:extLst>
       <p:ext uri="{BB962C8B-B14F-4D97-AF65-F5344CB8AC3E}">
-        <p14:creationId xmlns:p14="http://schemas.microsoft.com/office/powerpoint/2010/main" val="3457432064"/>
+        <p14:creationId xmlns:p14="http://schemas.microsoft.com/office/powerpoint/2010/main" val="66458558"/>
       </p:ext>
     </p:extLst>
   </p:cSld>
@@ -5101,40 +5418,52 @@
         </p:nvSpPr>
         <p:spPr/>
         <p:txBody>
-          <a:bodyPr/>
+          <a:bodyPr>
+            <a:normAutofit/>
+          </a:bodyPr>
           <a:lstStyle/>
           <a:p>
             <a:r>
               <a:rPr lang="en-US" dirty="0" smtClean="0"/>
-              <a:t>Use Case 2</a:t>
+              <a:t>Add Recipe Sequence Diagram</a:t>
             </a:r>
             <a:endParaRPr lang="en-US" dirty="0"/>
           </a:p>
         </p:txBody>
       </p:sp>
-      <p:sp>
-        <p:nvSpPr>
-          <p:cNvPr id="3" name="Content Placeholder 2"/>
-          <p:cNvSpPr>
-            <a:spLocks noGrp="1"/>
-          </p:cNvSpPr>
+      <p:pic>
+        <p:nvPicPr>
+          <p:cNvPr id="4" name="Content Placeholder 3"/>
+          <p:cNvPicPr>
+            <a:picLocks noGrp="1" noChangeAspect="1"/>
+          </p:cNvPicPr>
           <p:nvPr>
             <p:ph sz="quarter" idx="1"/>
           </p:nvPr>
-        </p:nvSpPr>
-        <p:spPr/>
-        <p:txBody>
-          <a:bodyPr/>
-          <a:lstStyle/>
-          <a:p>
-            <a:endParaRPr lang="en-US"/>
-          </a:p>
-        </p:txBody>
-      </p:sp>
+        </p:nvPicPr>
+        <p:blipFill>
+          <a:blip r:embed="rId2">
+            <a:extLst>
+              <a:ext uri="{28A0092B-C50C-407E-A947-70E740481C1C}">
+                <a14:useLocalDpi xmlns:a14="http://schemas.microsoft.com/office/drawing/2010/main" val="0"/>
+              </a:ext>
+            </a:extLst>
+          </a:blip>
+          <a:stretch>
+            <a:fillRect/>
+          </a:stretch>
+        </p:blipFill>
+        <p:spPr>
+          <a:xfrm>
+            <a:off x="2250734" y="1666570"/>
+            <a:ext cx="4877481" cy="4363059"/>
+          </a:xfrm>
+        </p:spPr>
+      </p:pic>
     </p:spTree>
     <p:extLst>
       <p:ext uri="{BB962C8B-B14F-4D97-AF65-F5344CB8AC3E}">
-        <p14:creationId xmlns:p14="http://schemas.microsoft.com/office/powerpoint/2010/main" val="66458558"/>
+        <p14:creationId xmlns:p14="http://schemas.microsoft.com/office/powerpoint/2010/main" val="2300988021"/>
       </p:ext>
     </p:extLst>
   </p:cSld>
@@ -5180,45 +5509,1196 @@
           <a:p>
             <a:r>
               <a:rPr lang="en-US" dirty="0" smtClean="0"/>
-              <a:t>Add Recipe Sequence Diagram</a:t>
+              <a:t>State Diagram</a:t>
             </a:r>
             <a:endParaRPr lang="en-US" dirty="0"/>
           </a:p>
         </p:txBody>
       </p:sp>
-      <p:pic>
-        <p:nvPicPr>
-          <p:cNvPr id="4" name="Content Placeholder 3"/>
-          <p:cNvPicPr>
-            <a:picLocks noGrp="1" noChangeAspect="1"/>
-          </p:cNvPicPr>
-          <p:nvPr>
-            <p:ph sz="quarter" idx="1"/>
-          </p:nvPr>
-        </p:nvPicPr>
-        <p:blipFill>
-          <a:blip r:embed="rId2">
-            <a:extLst>
-              <a:ext uri="{28A0092B-C50C-407E-A947-70E740481C1C}">
-                <a14:useLocalDpi xmlns:a14="http://schemas.microsoft.com/office/drawing/2010/main" val="0"/>
-              </a:ext>
-            </a:extLst>
-          </a:blip>
-          <a:stretch>
-            <a:fillRect/>
-          </a:stretch>
-        </p:blipFill>
-        <p:spPr>
-          <a:xfrm>
-            <a:off x="2250734" y="1666570"/>
-            <a:ext cx="4877481" cy="4363059"/>
-          </a:xfrm>
-        </p:spPr>
-      </p:pic>
+      <p:sp>
+        <p:nvSpPr>
+          <p:cNvPr id="4" name="Oval 3"/>
+          <p:cNvSpPr/>
+          <p:nvPr/>
+        </p:nvSpPr>
+        <p:spPr>
+          <a:xfrm>
+            <a:off x="4572000" y="5581472"/>
+            <a:ext cx="457200" cy="457200"/>
+          </a:xfrm>
+          <a:prstGeom prst="ellipse">
+            <a:avLst/>
+          </a:prstGeom>
+        </p:spPr>
+        <p:style>
+          <a:lnRef idx="2">
+            <a:schemeClr val="accent1">
+              <a:shade val="50000"/>
+            </a:schemeClr>
+          </a:lnRef>
+          <a:fillRef idx="1">
+            <a:schemeClr val="accent1"/>
+          </a:fillRef>
+          <a:effectRef idx="0">
+            <a:schemeClr val="accent1"/>
+          </a:effectRef>
+          <a:fontRef idx="minor">
+            <a:schemeClr val="lt1"/>
+          </a:fontRef>
+        </p:style>
+        <p:txBody>
+          <a:bodyPr rtlCol="0" anchor="ctr"/>
+          <a:lstStyle/>
+          <a:p>
+            <a:pPr algn="ctr"/>
+            <a:endParaRPr lang="en-US"/>
+          </a:p>
+        </p:txBody>
+      </p:sp>
+      <p:sp>
+        <p:nvSpPr>
+          <p:cNvPr id="5" name="Rounded Rectangle 4"/>
+          <p:cNvSpPr/>
+          <p:nvPr/>
+        </p:nvSpPr>
+        <p:spPr>
+          <a:xfrm>
+            <a:off x="3581400" y="3676472"/>
+            <a:ext cx="1524000" cy="914400"/>
+          </a:xfrm>
+          <a:prstGeom prst="roundRect">
+            <a:avLst/>
+          </a:prstGeom>
+        </p:spPr>
+        <p:style>
+          <a:lnRef idx="1">
+            <a:schemeClr val="accent1"/>
+          </a:lnRef>
+          <a:fillRef idx="2">
+            <a:schemeClr val="accent1"/>
+          </a:fillRef>
+          <a:effectRef idx="1">
+            <a:schemeClr val="accent1"/>
+          </a:effectRef>
+          <a:fontRef idx="minor">
+            <a:schemeClr val="dk1"/>
+          </a:fontRef>
+        </p:style>
+        <p:txBody>
+          <a:bodyPr rtlCol="0" anchor="ctr"/>
+          <a:lstStyle/>
+          <a:p>
+            <a:pPr algn="ctr"/>
+            <a:r>
+              <a:rPr lang="en-US" dirty="0" smtClean="0"/>
+              <a:t>Opening Screen</a:t>
+            </a:r>
+          </a:p>
+        </p:txBody>
+      </p:sp>
+      <p:cxnSp>
+        <p:nvCxnSpPr>
+          <p:cNvPr id="6" name="Straight Arrow Connector 5"/>
+          <p:cNvCxnSpPr>
+            <a:stCxn id="4" idx="0"/>
+          </p:cNvCxnSpPr>
+          <p:nvPr/>
+        </p:nvCxnSpPr>
+        <p:spPr>
+          <a:xfrm flipV="1">
+            <a:off x="4800600" y="4590872"/>
+            <a:ext cx="0" cy="990600"/>
+          </a:xfrm>
+          <a:prstGeom prst="straightConnector1">
+            <a:avLst/>
+          </a:prstGeom>
+          <a:ln>
+            <a:tailEnd type="arrow"/>
+          </a:ln>
+        </p:spPr>
+        <p:style>
+          <a:lnRef idx="2">
+            <a:schemeClr val="dk1"/>
+          </a:lnRef>
+          <a:fillRef idx="0">
+            <a:schemeClr val="dk1"/>
+          </a:fillRef>
+          <a:effectRef idx="1">
+            <a:schemeClr val="dk1"/>
+          </a:effectRef>
+          <a:fontRef idx="minor">
+            <a:schemeClr val="tx1"/>
+          </a:fontRef>
+        </p:style>
+      </p:cxnSp>
+      <p:sp>
+        <p:nvSpPr>
+          <p:cNvPr id="7" name="Rounded Rectangle 6"/>
+          <p:cNvSpPr/>
+          <p:nvPr/>
+        </p:nvSpPr>
+        <p:spPr>
+          <a:xfrm>
+            <a:off x="3581400" y="2000072"/>
+            <a:ext cx="1524000" cy="914400"/>
+          </a:xfrm>
+          <a:prstGeom prst="roundRect">
+            <a:avLst/>
+          </a:prstGeom>
+        </p:spPr>
+        <p:style>
+          <a:lnRef idx="1">
+            <a:schemeClr val="accent1"/>
+          </a:lnRef>
+          <a:fillRef idx="2">
+            <a:schemeClr val="accent1"/>
+          </a:fillRef>
+          <a:effectRef idx="1">
+            <a:schemeClr val="accent1"/>
+          </a:effectRef>
+          <a:fontRef idx="minor">
+            <a:schemeClr val="dk1"/>
+          </a:fontRef>
+        </p:style>
+        <p:txBody>
+          <a:bodyPr rtlCol="0" anchor="ctr"/>
+          <a:lstStyle/>
+          <a:p>
+            <a:pPr algn="ctr"/>
+            <a:r>
+              <a:rPr lang="en-US" dirty="0" smtClean="0"/>
+              <a:t>Recipe </a:t>
+            </a:r>
+          </a:p>
+          <a:p>
+            <a:pPr algn="ctr"/>
+            <a:r>
+              <a:rPr lang="en-US" dirty="0" smtClean="0"/>
+              <a:t>View</a:t>
+            </a:r>
+          </a:p>
+        </p:txBody>
+      </p:sp>
+      <p:grpSp>
+        <p:nvGrpSpPr>
+          <p:cNvPr id="8" name="Group 7"/>
+          <p:cNvGrpSpPr/>
+          <p:nvPr/>
+        </p:nvGrpSpPr>
+        <p:grpSpPr>
+          <a:xfrm>
+            <a:off x="3810000" y="2914472"/>
+            <a:ext cx="1875804" cy="762000"/>
+            <a:chOff x="3657600" y="2133600"/>
+            <a:chExt cx="1875804" cy="762000"/>
+          </a:xfrm>
+        </p:grpSpPr>
+        <p:cxnSp>
+          <p:nvCxnSpPr>
+            <p:cNvPr id="9" name="Straight Arrow Connector 8"/>
+            <p:cNvCxnSpPr/>
+            <p:nvPr/>
+          </p:nvCxnSpPr>
+          <p:spPr>
+            <a:xfrm flipV="1">
+              <a:off x="3810000" y="2133600"/>
+              <a:ext cx="0" cy="762000"/>
+            </a:xfrm>
+            <a:prstGeom prst="straightConnector1">
+              <a:avLst/>
+            </a:prstGeom>
+            <a:ln>
+              <a:tailEnd type="arrow"/>
+            </a:ln>
+          </p:spPr>
+          <p:style>
+            <a:lnRef idx="2">
+              <a:schemeClr val="dk1"/>
+            </a:lnRef>
+            <a:fillRef idx="0">
+              <a:schemeClr val="dk1"/>
+            </a:fillRef>
+            <a:effectRef idx="1">
+              <a:schemeClr val="dk1"/>
+            </a:effectRef>
+            <a:fontRef idx="minor">
+              <a:schemeClr val="tx1"/>
+            </a:fontRef>
+          </p:style>
+        </p:cxnSp>
+        <p:sp>
+          <p:nvSpPr>
+            <p:cNvPr id="10" name="TextBox 9"/>
+            <p:cNvSpPr txBox="1"/>
+            <p:nvPr/>
+          </p:nvSpPr>
+          <p:spPr>
+            <a:xfrm>
+              <a:off x="3657600" y="2133600"/>
+              <a:ext cx="1037604" cy="646331"/>
+            </a:xfrm>
+            <a:prstGeom prst="rect">
+              <a:avLst/>
+            </a:prstGeom>
+            <a:noFill/>
+          </p:spPr>
+          <p:txBody>
+            <a:bodyPr wrap="square" rtlCol="0">
+              <a:spAutoFit/>
+            </a:bodyPr>
+            <a:lstStyle/>
+            <a:p>
+              <a:pPr algn="ctr"/>
+              <a:r>
+                <a:rPr lang="en-US" dirty="0" smtClean="0"/>
+                <a:t>View</a:t>
+              </a:r>
+            </a:p>
+            <a:p>
+              <a:pPr algn="ctr"/>
+              <a:r>
+                <a:rPr lang="en-US" dirty="0" smtClean="0"/>
+                <a:t>Recipe</a:t>
+              </a:r>
+            </a:p>
+          </p:txBody>
+        </p:sp>
+        <p:cxnSp>
+          <p:nvCxnSpPr>
+            <p:cNvPr id="11" name="Straight Arrow Connector 10"/>
+            <p:cNvCxnSpPr/>
+            <p:nvPr/>
+          </p:nvCxnSpPr>
+          <p:spPr>
+            <a:xfrm>
+              <a:off x="4800600" y="2133600"/>
+              <a:ext cx="0" cy="762000"/>
+            </a:xfrm>
+            <a:prstGeom prst="straightConnector1">
+              <a:avLst/>
+            </a:prstGeom>
+            <a:ln>
+              <a:tailEnd type="arrow"/>
+            </a:ln>
+          </p:spPr>
+          <p:style>
+            <a:lnRef idx="2">
+              <a:schemeClr val="dk1"/>
+            </a:lnRef>
+            <a:fillRef idx="0">
+              <a:schemeClr val="dk1"/>
+            </a:fillRef>
+            <a:effectRef idx="1">
+              <a:schemeClr val="dk1"/>
+            </a:effectRef>
+            <a:fontRef idx="minor">
+              <a:schemeClr val="tx1"/>
+            </a:fontRef>
+          </p:style>
+        </p:cxnSp>
+        <p:sp>
+          <p:nvSpPr>
+            <p:cNvPr id="12" name="TextBox 11"/>
+            <p:cNvSpPr txBox="1"/>
+            <p:nvPr/>
+          </p:nvSpPr>
+          <p:spPr>
+            <a:xfrm>
+              <a:off x="4724400" y="2133600"/>
+              <a:ext cx="809004" cy="646331"/>
+            </a:xfrm>
+            <a:prstGeom prst="rect">
+              <a:avLst/>
+            </a:prstGeom>
+            <a:noFill/>
+          </p:spPr>
+          <p:txBody>
+            <a:bodyPr wrap="none" rtlCol="0">
+              <a:spAutoFit/>
+            </a:bodyPr>
+            <a:lstStyle/>
+            <a:p>
+              <a:pPr algn="ctr"/>
+              <a:r>
+                <a:rPr lang="en-US" dirty="0" smtClean="0"/>
+                <a:t>Exit</a:t>
+              </a:r>
+            </a:p>
+            <a:p>
+              <a:pPr algn="ctr"/>
+              <a:r>
+                <a:rPr lang="en-US" dirty="0" smtClean="0"/>
+                <a:t>Recipe</a:t>
+              </a:r>
+            </a:p>
+          </p:txBody>
+        </p:sp>
+      </p:grpSp>
+      <p:sp>
+        <p:nvSpPr>
+          <p:cNvPr id="13" name="Rounded Rectangle 12"/>
+          <p:cNvSpPr/>
+          <p:nvPr/>
+        </p:nvSpPr>
+        <p:spPr>
+          <a:xfrm>
+            <a:off x="7086600" y="2228672"/>
+            <a:ext cx="1905000" cy="1143000"/>
+          </a:xfrm>
+          <a:prstGeom prst="roundRect">
+            <a:avLst/>
+          </a:prstGeom>
+        </p:spPr>
+        <p:style>
+          <a:lnRef idx="1">
+            <a:schemeClr val="accent1"/>
+          </a:lnRef>
+          <a:fillRef idx="2">
+            <a:schemeClr val="accent1"/>
+          </a:fillRef>
+          <a:effectRef idx="1">
+            <a:schemeClr val="accent1"/>
+          </a:effectRef>
+          <a:fontRef idx="minor">
+            <a:schemeClr val="dk1"/>
+          </a:fontRef>
+        </p:style>
+        <p:txBody>
+          <a:bodyPr rtlCol="0" anchor="ctr"/>
+          <a:lstStyle/>
+          <a:p>
+            <a:pPr algn="ctr"/>
+            <a:r>
+              <a:rPr lang="en-US" dirty="0" smtClean="0"/>
+              <a:t>Edit</a:t>
+            </a:r>
+          </a:p>
+          <a:p>
+            <a:pPr algn="ctr"/>
+            <a:r>
+              <a:rPr lang="en-US" dirty="0" smtClean="0"/>
+              <a:t>Recipe View </a:t>
+            </a:r>
+          </a:p>
+        </p:txBody>
+      </p:sp>
+      <p:cxnSp>
+        <p:nvCxnSpPr>
+          <p:cNvPr id="14" name="Straight Arrow Connector 13"/>
+          <p:cNvCxnSpPr>
+            <a:endCxn id="13" idx="1"/>
+          </p:cNvCxnSpPr>
+          <p:nvPr/>
+        </p:nvCxnSpPr>
+        <p:spPr>
+          <a:xfrm flipV="1">
+            <a:off x="5105400" y="2800172"/>
+            <a:ext cx="1981200" cy="1104900"/>
+          </a:xfrm>
+          <a:prstGeom prst="straightConnector1">
+            <a:avLst/>
+          </a:prstGeom>
+          <a:ln>
+            <a:tailEnd type="arrow"/>
+          </a:ln>
+        </p:spPr>
+        <p:style>
+          <a:lnRef idx="2">
+            <a:schemeClr val="dk1"/>
+          </a:lnRef>
+          <a:fillRef idx="0">
+            <a:schemeClr val="dk1"/>
+          </a:fillRef>
+          <a:effectRef idx="1">
+            <a:schemeClr val="dk1"/>
+          </a:effectRef>
+          <a:fontRef idx="minor">
+            <a:schemeClr val="tx1"/>
+          </a:fontRef>
+        </p:style>
+      </p:cxnSp>
+      <p:cxnSp>
+        <p:nvCxnSpPr>
+          <p:cNvPr id="15" name="Straight Arrow Connector 14"/>
+          <p:cNvCxnSpPr/>
+          <p:nvPr/>
+        </p:nvCxnSpPr>
+        <p:spPr>
+          <a:xfrm>
+            <a:off x="5105400" y="2533472"/>
+            <a:ext cx="1981200" cy="0"/>
+          </a:xfrm>
+          <a:prstGeom prst="straightConnector1">
+            <a:avLst/>
+          </a:prstGeom>
+          <a:ln>
+            <a:tailEnd type="arrow"/>
+          </a:ln>
+        </p:spPr>
+        <p:style>
+          <a:lnRef idx="2">
+            <a:schemeClr val="dk1"/>
+          </a:lnRef>
+          <a:fillRef idx="0">
+            <a:schemeClr val="dk1"/>
+          </a:fillRef>
+          <a:effectRef idx="1">
+            <a:schemeClr val="dk1"/>
+          </a:effectRef>
+          <a:fontRef idx="minor">
+            <a:schemeClr val="tx1"/>
+          </a:fontRef>
+        </p:style>
+      </p:cxnSp>
+      <p:cxnSp>
+        <p:nvCxnSpPr>
+          <p:cNvPr id="16" name="Curved Connector 15"/>
+          <p:cNvCxnSpPr>
+            <a:stCxn id="13" idx="2"/>
+            <a:endCxn id="5" idx="3"/>
+          </p:cNvCxnSpPr>
+          <p:nvPr/>
+        </p:nvCxnSpPr>
+        <p:spPr>
+          <a:xfrm rot="5400000">
+            <a:off x="6191250" y="2285822"/>
+            <a:ext cx="762000" cy="2933700"/>
+          </a:xfrm>
+          <a:prstGeom prst="curvedConnector2">
+            <a:avLst/>
+          </a:prstGeom>
+          <a:ln>
+            <a:tailEnd type="arrow"/>
+          </a:ln>
+        </p:spPr>
+        <p:style>
+          <a:lnRef idx="2">
+            <a:schemeClr val="dk1"/>
+          </a:lnRef>
+          <a:fillRef idx="0">
+            <a:schemeClr val="dk1"/>
+          </a:fillRef>
+          <a:effectRef idx="1">
+            <a:schemeClr val="dk1"/>
+          </a:effectRef>
+          <a:fontRef idx="minor">
+            <a:schemeClr val="tx1"/>
+          </a:fontRef>
+        </p:style>
+      </p:cxnSp>
+      <p:sp>
+        <p:nvSpPr>
+          <p:cNvPr id="17" name="Rounded Rectangle 16"/>
+          <p:cNvSpPr/>
+          <p:nvPr/>
+        </p:nvSpPr>
+        <p:spPr>
+          <a:xfrm>
+            <a:off x="7086600" y="4743272"/>
+            <a:ext cx="1905000" cy="1143000"/>
+          </a:xfrm>
+          <a:prstGeom prst="roundRect">
+            <a:avLst/>
+          </a:prstGeom>
+        </p:spPr>
+        <p:style>
+          <a:lnRef idx="1">
+            <a:schemeClr val="accent1"/>
+          </a:lnRef>
+          <a:fillRef idx="2">
+            <a:schemeClr val="accent1"/>
+          </a:fillRef>
+          <a:effectRef idx="1">
+            <a:schemeClr val="accent1"/>
+          </a:effectRef>
+          <a:fontRef idx="minor">
+            <a:schemeClr val="dk1"/>
+          </a:fontRef>
+        </p:style>
+        <p:txBody>
+          <a:bodyPr rtlCol="0" anchor="ctr"/>
+          <a:lstStyle/>
+          <a:p>
+            <a:pPr algn="ctr"/>
+            <a:r>
+              <a:rPr lang="en-US" dirty="0" smtClean="0"/>
+              <a:t>Add</a:t>
+            </a:r>
+          </a:p>
+          <a:p>
+            <a:pPr algn="ctr"/>
+            <a:r>
+              <a:rPr lang="en-US" dirty="0" smtClean="0"/>
+              <a:t>Recipe View </a:t>
+            </a:r>
+          </a:p>
+        </p:txBody>
+      </p:sp>
+      <p:cxnSp>
+        <p:nvCxnSpPr>
+          <p:cNvPr id="18" name="Curved Connector 36"/>
+          <p:cNvCxnSpPr>
+            <a:stCxn id="17" idx="0"/>
+          </p:cNvCxnSpPr>
+          <p:nvPr/>
+        </p:nvCxnSpPr>
+        <p:spPr>
+          <a:xfrm rot="16200000" flipV="1">
+            <a:off x="6343650" y="3047822"/>
+            <a:ext cx="457200" cy="2933700"/>
+          </a:xfrm>
+          <a:prstGeom prst="curvedConnector2">
+            <a:avLst/>
+          </a:prstGeom>
+          <a:ln>
+            <a:tailEnd type="arrow"/>
+          </a:ln>
+        </p:spPr>
+        <p:style>
+          <a:lnRef idx="2">
+            <a:schemeClr val="dk1"/>
+          </a:lnRef>
+          <a:fillRef idx="0">
+            <a:schemeClr val="dk1"/>
+          </a:fillRef>
+          <a:effectRef idx="1">
+            <a:schemeClr val="dk1"/>
+          </a:effectRef>
+          <a:fontRef idx="minor">
+            <a:schemeClr val="tx1"/>
+          </a:fontRef>
+        </p:style>
+      </p:cxnSp>
+      <p:sp>
+        <p:nvSpPr>
+          <p:cNvPr id="19" name="TextBox 18"/>
+          <p:cNvSpPr txBox="1"/>
+          <p:nvPr/>
+        </p:nvSpPr>
+        <p:spPr>
+          <a:xfrm>
+            <a:off x="7086600" y="3828872"/>
+            <a:ext cx="1752600" cy="646331"/>
+          </a:xfrm>
+          <a:prstGeom prst="rect">
+            <a:avLst/>
+          </a:prstGeom>
+          <a:noFill/>
+        </p:spPr>
+        <p:txBody>
+          <a:bodyPr wrap="square" rtlCol="0">
+            <a:spAutoFit/>
+          </a:bodyPr>
+          <a:lstStyle/>
+          <a:p>
+            <a:pPr algn="ctr"/>
+            <a:r>
+              <a:rPr lang="en-US" dirty="0" smtClean="0"/>
+              <a:t>Save Recipe</a:t>
+            </a:r>
+          </a:p>
+          <a:p>
+            <a:pPr algn="ctr"/>
+            <a:r>
+              <a:rPr lang="en-US" dirty="0" smtClean="0"/>
+              <a:t> or Cancel</a:t>
+            </a:r>
+          </a:p>
+        </p:txBody>
+      </p:sp>
+      <p:sp>
+        <p:nvSpPr>
+          <p:cNvPr id="20" name="Rounded Rectangle 19"/>
+          <p:cNvSpPr/>
+          <p:nvPr/>
+        </p:nvSpPr>
+        <p:spPr>
+          <a:xfrm>
+            <a:off x="1828800" y="3676472"/>
+            <a:ext cx="1524000" cy="914400"/>
+          </a:xfrm>
+          <a:prstGeom prst="roundRect">
+            <a:avLst/>
+          </a:prstGeom>
+        </p:spPr>
+        <p:style>
+          <a:lnRef idx="1">
+            <a:schemeClr val="accent1"/>
+          </a:lnRef>
+          <a:fillRef idx="2">
+            <a:schemeClr val="accent1"/>
+          </a:fillRef>
+          <a:effectRef idx="1">
+            <a:schemeClr val="accent1"/>
+          </a:effectRef>
+          <a:fontRef idx="minor">
+            <a:schemeClr val="dk1"/>
+          </a:fontRef>
+        </p:style>
+        <p:txBody>
+          <a:bodyPr rtlCol="0" anchor="ctr"/>
+          <a:lstStyle/>
+          <a:p>
+            <a:pPr algn="ctr"/>
+            <a:r>
+              <a:rPr lang="en-US" dirty="0" smtClean="0"/>
+              <a:t>Delete Confirmation</a:t>
+            </a:r>
+          </a:p>
+        </p:txBody>
+      </p:sp>
+      <p:sp>
+        <p:nvSpPr>
+          <p:cNvPr id="21" name="TextBox 20"/>
+          <p:cNvSpPr txBox="1"/>
+          <p:nvPr/>
+        </p:nvSpPr>
+        <p:spPr>
+          <a:xfrm rot="19888140">
+            <a:off x="5500379" y="3031573"/>
+            <a:ext cx="1222387" cy="369332"/>
+          </a:xfrm>
+          <a:prstGeom prst="rect">
+            <a:avLst/>
+          </a:prstGeom>
+          <a:noFill/>
+        </p:spPr>
+        <p:txBody>
+          <a:bodyPr wrap="none" rtlCol="0">
+            <a:spAutoFit/>
+          </a:bodyPr>
+          <a:lstStyle/>
+          <a:p>
+            <a:pPr algn="ctr"/>
+            <a:r>
+              <a:rPr lang="en-US" dirty="0" smtClean="0"/>
+              <a:t>Edit Recipe</a:t>
+            </a:r>
+          </a:p>
+        </p:txBody>
+      </p:sp>
+      <p:sp>
+        <p:nvSpPr>
+          <p:cNvPr id="22" name="TextBox 21"/>
+          <p:cNvSpPr txBox="1"/>
+          <p:nvPr/>
+        </p:nvSpPr>
+        <p:spPr>
+          <a:xfrm>
+            <a:off x="5334000" y="2152472"/>
+            <a:ext cx="1222387" cy="369332"/>
+          </a:xfrm>
+          <a:prstGeom prst="rect">
+            <a:avLst/>
+          </a:prstGeom>
+          <a:noFill/>
+        </p:spPr>
+        <p:txBody>
+          <a:bodyPr wrap="none" rtlCol="0">
+            <a:spAutoFit/>
+          </a:bodyPr>
+          <a:lstStyle/>
+          <a:p>
+            <a:pPr algn="ctr"/>
+            <a:r>
+              <a:rPr lang="en-US" dirty="0" smtClean="0"/>
+              <a:t>Edit Recipe</a:t>
+            </a:r>
+          </a:p>
+        </p:txBody>
+      </p:sp>
+      <p:cxnSp>
+        <p:nvCxnSpPr>
+          <p:cNvPr id="23" name="Straight Arrow Connector 22"/>
+          <p:cNvCxnSpPr>
+            <a:endCxn id="17" idx="1"/>
+          </p:cNvCxnSpPr>
+          <p:nvPr/>
+        </p:nvCxnSpPr>
+        <p:spPr>
+          <a:xfrm>
+            <a:off x="4953000" y="4590872"/>
+            <a:ext cx="2133600" cy="723900"/>
+          </a:xfrm>
+          <a:prstGeom prst="straightConnector1">
+            <a:avLst/>
+          </a:prstGeom>
+          <a:ln>
+            <a:tailEnd type="arrow"/>
+          </a:ln>
+        </p:spPr>
+        <p:style>
+          <a:lnRef idx="2">
+            <a:schemeClr val="dk1"/>
+          </a:lnRef>
+          <a:fillRef idx="0">
+            <a:schemeClr val="dk1"/>
+          </a:fillRef>
+          <a:effectRef idx="1">
+            <a:schemeClr val="dk1"/>
+          </a:effectRef>
+          <a:fontRef idx="minor">
+            <a:schemeClr val="tx1"/>
+          </a:fontRef>
+        </p:style>
+      </p:cxnSp>
+      <p:sp>
+        <p:nvSpPr>
+          <p:cNvPr id="24" name="TextBox 23"/>
+          <p:cNvSpPr txBox="1"/>
+          <p:nvPr/>
+        </p:nvSpPr>
+        <p:spPr>
+          <a:xfrm rot="1182780">
+            <a:off x="5428559" y="4633811"/>
+            <a:ext cx="1238609" cy="369332"/>
+          </a:xfrm>
+          <a:prstGeom prst="rect">
+            <a:avLst/>
+          </a:prstGeom>
+          <a:noFill/>
+        </p:spPr>
+        <p:txBody>
+          <a:bodyPr wrap="none" rtlCol="0">
+            <a:spAutoFit/>
+          </a:bodyPr>
+          <a:lstStyle/>
+          <a:p>
+            <a:pPr algn="ctr"/>
+            <a:r>
+              <a:rPr lang="en-US" dirty="0" smtClean="0"/>
+              <a:t>Add Recipe</a:t>
+            </a:r>
+          </a:p>
+        </p:txBody>
+      </p:sp>
+      <p:sp>
+        <p:nvSpPr>
+          <p:cNvPr id="25" name="Rounded Rectangle 24"/>
+          <p:cNvSpPr/>
+          <p:nvPr/>
+        </p:nvSpPr>
+        <p:spPr>
+          <a:xfrm>
+            <a:off x="152400" y="3676472"/>
+            <a:ext cx="1524000" cy="914400"/>
+          </a:xfrm>
+          <a:prstGeom prst="roundRect">
+            <a:avLst/>
+          </a:prstGeom>
+        </p:spPr>
+        <p:style>
+          <a:lnRef idx="1">
+            <a:schemeClr val="accent1"/>
+          </a:lnRef>
+          <a:fillRef idx="2">
+            <a:schemeClr val="accent1"/>
+          </a:fillRef>
+          <a:effectRef idx="1">
+            <a:schemeClr val="accent1"/>
+          </a:effectRef>
+          <a:fontRef idx="minor">
+            <a:schemeClr val="dk1"/>
+          </a:fontRef>
+        </p:style>
+        <p:txBody>
+          <a:bodyPr rtlCol="0" anchor="ctr"/>
+          <a:lstStyle/>
+          <a:p>
+            <a:pPr algn="ctr"/>
+            <a:r>
+              <a:rPr lang="en-US" dirty="0" smtClean="0"/>
+              <a:t>Search Screen</a:t>
+            </a:r>
+          </a:p>
+        </p:txBody>
+      </p:sp>
+      <p:sp>
+        <p:nvSpPr>
+          <p:cNvPr id="26" name="TextBox 25"/>
+          <p:cNvSpPr txBox="1"/>
+          <p:nvPr/>
+        </p:nvSpPr>
+        <p:spPr>
+          <a:xfrm>
+            <a:off x="2667000" y="4514672"/>
+            <a:ext cx="1571004" cy="646331"/>
+          </a:xfrm>
+          <a:prstGeom prst="rect">
+            <a:avLst/>
+          </a:prstGeom>
+          <a:noFill/>
+        </p:spPr>
+        <p:txBody>
+          <a:bodyPr wrap="square" rtlCol="0">
+            <a:spAutoFit/>
+          </a:bodyPr>
+          <a:lstStyle/>
+          <a:p>
+            <a:pPr algn="ctr"/>
+            <a:r>
+              <a:rPr lang="en-US" dirty="0" smtClean="0"/>
+              <a:t>Delete </a:t>
+            </a:r>
+          </a:p>
+          <a:p>
+            <a:pPr algn="ctr"/>
+            <a:r>
+              <a:rPr lang="en-US" dirty="0" smtClean="0"/>
+              <a:t>Recipe</a:t>
+            </a:r>
+          </a:p>
+        </p:txBody>
+      </p:sp>
+      <p:cxnSp>
+        <p:nvCxnSpPr>
+          <p:cNvPr id="27" name="Curved Connector 26"/>
+          <p:cNvCxnSpPr/>
+          <p:nvPr/>
+        </p:nvCxnSpPr>
+        <p:spPr>
+          <a:xfrm rot="5400000">
+            <a:off x="3424959" y="4061513"/>
+            <a:ext cx="8082" cy="1066800"/>
+          </a:xfrm>
+          <a:prstGeom prst="curvedConnector3">
+            <a:avLst>
+              <a:gd name="adj1" fmla="val 8113853"/>
+            </a:avLst>
+          </a:prstGeom>
+          <a:ln>
+            <a:tailEnd type="arrow"/>
+          </a:ln>
+        </p:spPr>
+        <p:style>
+          <a:lnRef idx="2">
+            <a:schemeClr val="dk1"/>
+          </a:lnRef>
+          <a:fillRef idx="0">
+            <a:schemeClr val="dk1"/>
+          </a:fillRef>
+          <a:effectRef idx="1">
+            <a:schemeClr val="dk1"/>
+          </a:effectRef>
+          <a:fontRef idx="minor">
+            <a:schemeClr val="tx1"/>
+          </a:fontRef>
+        </p:style>
+      </p:cxnSp>
+      <p:cxnSp>
+        <p:nvCxnSpPr>
+          <p:cNvPr id="28" name="Straight Arrow Connector 27"/>
+          <p:cNvCxnSpPr>
+            <a:stCxn id="20" idx="3"/>
+            <a:endCxn id="5" idx="1"/>
+          </p:cNvCxnSpPr>
+          <p:nvPr/>
+        </p:nvCxnSpPr>
+        <p:spPr>
+          <a:xfrm>
+            <a:off x="3352800" y="4133672"/>
+            <a:ext cx="228600" cy="0"/>
+          </a:xfrm>
+          <a:prstGeom prst="straightConnector1">
+            <a:avLst/>
+          </a:prstGeom>
+          <a:ln>
+            <a:tailEnd type="arrow"/>
+          </a:ln>
+        </p:spPr>
+        <p:style>
+          <a:lnRef idx="2">
+            <a:schemeClr val="dk1"/>
+          </a:lnRef>
+          <a:fillRef idx="0">
+            <a:schemeClr val="dk1"/>
+          </a:fillRef>
+          <a:effectRef idx="1">
+            <a:schemeClr val="dk1"/>
+          </a:effectRef>
+          <a:fontRef idx="minor">
+            <a:schemeClr val="tx1"/>
+          </a:fontRef>
+        </p:style>
+      </p:cxnSp>
+      <p:cxnSp>
+        <p:nvCxnSpPr>
+          <p:cNvPr id="29" name="Curved Connector 28"/>
+          <p:cNvCxnSpPr/>
+          <p:nvPr/>
+        </p:nvCxnSpPr>
+        <p:spPr>
+          <a:xfrm rot="5400000">
+            <a:off x="2609633" y="3022639"/>
+            <a:ext cx="13133" cy="3149600"/>
+          </a:xfrm>
+          <a:prstGeom prst="curvedConnector3">
+            <a:avLst>
+              <a:gd name="adj1" fmla="val 8113853"/>
+            </a:avLst>
+          </a:prstGeom>
+          <a:ln>
+            <a:tailEnd type="arrow"/>
+          </a:ln>
+        </p:spPr>
+        <p:style>
+          <a:lnRef idx="2">
+            <a:schemeClr val="dk1"/>
+          </a:lnRef>
+          <a:fillRef idx="0">
+            <a:schemeClr val="dk1"/>
+          </a:fillRef>
+          <a:effectRef idx="1">
+            <a:schemeClr val="dk1"/>
+          </a:effectRef>
+          <a:fontRef idx="minor">
+            <a:schemeClr val="tx1"/>
+          </a:fontRef>
+        </p:style>
+      </p:cxnSp>
+      <p:sp>
+        <p:nvSpPr>
+          <p:cNvPr id="30" name="TextBox 29"/>
+          <p:cNvSpPr txBox="1"/>
+          <p:nvPr/>
+        </p:nvSpPr>
+        <p:spPr>
+          <a:xfrm>
+            <a:off x="1219200" y="4819472"/>
+            <a:ext cx="1571004" cy="646331"/>
+          </a:xfrm>
+          <a:prstGeom prst="rect">
+            <a:avLst/>
+          </a:prstGeom>
+          <a:noFill/>
+        </p:spPr>
+        <p:txBody>
+          <a:bodyPr wrap="square" rtlCol="0">
+            <a:spAutoFit/>
+          </a:bodyPr>
+          <a:lstStyle/>
+          <a:p>
+            <a:pPr algn="ctr"/>
+            <a:r>
+              <a:rPr lang="en-US" dirty="0" smtClean="0"/>
+              <a:t>Recipe</a:t>
+            </a:r>
+          </a:p>
+          <a:p>
+            <a:pPr algn="ctr"/>
+            <a:r>
+              <a:rPr lang="en-US" dirty="0" smtClean="0"/>
+              <a:t>Search</a:t>
+            </a:r>
+          </a:p>
+        </p:txBody>
+      </p:sp>
+      <p:cxnSp>
+        <p:nvCxnSpPr>
+          <p:cNvPr id="31" name="Curved Connector 30"/>
+          <p:cNvCxnSpPr/>
+          <p:nvPr/>
+        </p:nvCxnSpPr>
+        <p:spPr>
+          <a:xfrm rot="16200000" flipH="1">
+            <a:off x="2479098" y="2645175"/>
+            <a:ext cx="20205" cy="3911600"/>
+          </a:xfrm>
+          <a:prstGeom prst="curvedConnector3">
+            <a:avLst>
+              <a:gd name="adj1" fmla="val 8113853"/>
+            </a:avLst>
+          </a:prstGeom>
+          <a:ln>
+            <a:tailEnd type="arrow"/>
+          </a:ln>
+        </p:spPr>
+        <p:style>
+          <a:lnRef idx="2">
+            <a:schemeClr val="dk1"/>
+          </a:lnRef>
+          <a:fillRef idx="0">
+            <a:schemeClr val="dk1"/>
+          </a:fillRef>
+          <a:effectRef idx="1">
+            <a:schemeClr val="dk1"/>
+          </a:effectRef>
+          <a:fontRef idx="minor">
+            <a:schemeClr val="tx1"/>
+          </a:fontRef>
+        </p:style>
+      </p:cxnSp>
+      <p:sp>
+        <p:nvSpPr>
+          <p:cNvPr id="32" name="TextBox 31"/>
+          <p:cNvSpPr txBox="1"/>
+          <p:nvPr/>
+        </p:nvSpPr>
+        <p:spPr>
+          <a:xfrm>
+            <a:off x="1676400" y="5810072"/>
+            <a:ext cx="1571004" cy="369332"/>
+          </a:xfrm>
+          <a:prstGeom prst="rect">
+            <a:avLst/>
+          </a:prstGeom>
+          <a:noFill/>
+        </p:spPr>
+        <p:txBody>
+          <a:bodyPr wrap="square" rtlCol="0">
+            <a:spAutoFit/>
+          </a:bodyPr>
+          <a:lstStyle/>
+          <a:p>
+            <a:pPr algn="ctr"/>
+            <a:r>
+              <a:rPr lang="en-US" dirty="0" smtClean="0"/>
+              <a:t>Exit Search</a:t>
+            </a:r>
+          </a:p>
+        </p:txBody>
+      </p:sp>
+      <p:cxnSp>
+        <p:nvCxnSpPr>
+          <p:cNvPr id="33" name="Straight Arrow Connector 32"/>
+          <p:cNvCxnSpPr>
+            <a:endCxn id="20" idx="0"/>
+          </p:cNvCxnSpPr>
+          <p:nvPr/>
+        </p:nvCxnSpPr>
+        <p:spPr>
+          <a:xfrm flipH="1">
+            <a:off x="2590800" y="2762072"/>
+            <a:ext cx="990600" cy="914400"/>
+          </a:xfrm>
+          <a:prstGeom prst="straightConnector1">
+            <a:avLst/>
+          </a:prstGeom>
+          <a:ln>
+            <a:tailEnd type="arrow"/>
+          </a:ln>
+        </p:spPr>
+        <p:style>
+          <a:lnRef idx="2">
+            <a:schemeClr val="dk1"/>
+          </a:lnRef>
+          <a:fillRef idx="0">
+            <a:schemeClr val="dk1"/>
+          </a:fillRef>
+          <a:effectRef idx="1">
+            <a:schemeClr val="dk1"/>
+          </a:effectRef>
+          <a:fontRef idx="minor">
+            <a:schemeClr val="tx1"/>
+          </a:fontRef>
+        </p:style>
+      </p:cxnSp>
+      <p:sp>
+        <p:nvSpPr>
+          <p:cNvPr id="34" name="TextBox 33"/>
+          <p:cNvSpPr txBox="1"/>
+          <p:nvPr/>
+        </p:nvSpPr>
+        <p:spPr>
+          <a:xfrm rot="19030155">
+            <a:off x="2252775" y="2857227"/>
+            <a:ext cx="1571004" cy="369332"/>
+          </a:xfrm>
+          <a:prstGeom prst="rect">
+            <a:avLst/>
+          </a:prstGeom>
+          <a:noFill/>
+        </p:spPr>
+        <p:txBody>
+          <a:bodyPr wrap="square" rtlCol="0">
+            <a:spAutoFit/>
+          </a:bodyPr>
+          <a:lstStyle/>
+          <a:p>
+            <a:pPr algn="ctr"/>
+            <a:r>
+              <a:rPr lang="en-US" dirty="0" smtClean="0"/>
+              <a:t>Delete Recipe</a:t>
+            </a:r>
+          </a:p>
+        </p:txBody>
+      </p:sp>
+      <p:cxnSp>
+        <p:nvCxnSpPr>
+          <p:cNvPr id="35" name="Shape 157"/>
+          <p:cNvCxnSpPr>
+            <a:stCxn id="25" idx="0"/>
+          </p:cNvCxnSpPr>
+          <p:nvPr/>
+        </p:nvCxnSpPr>
+        <p:spPr>
+          <a:xfrm rot="5400000" flipH="1" flipV="1">
+            <a:off x="1562100" y="1657172"/>
+            <a:ext cx="1371600" cy="2667000"/>
+          </a:xfrm>
+          <a:prstGeom prst="curvedConnector2">
+            <a:avLst/>
+          </a:prstGeom>
+          <a:ln>
+            <a:tailEnd type="arrow"/>
+          </a:ln>
+        </p:spPr>
+        <p:style>
+          <a:lnRef idx="2">
+            <a:schemeClr val="dk1"/>
+          </a:lnRef>
+          <a:fillRef idx="0">
+            <a:schemeClr val="dk1"/>
+          </a:fillRef>
+          <a:effectRef idx="1">
+            <a:schemeClr val="dk1"/>
+          </a:effectRef>
+          <a:fontRef idx="minor">
+            <a:schemeClr val="tx1"/>
+          </a:fontRef>
+        </p:style>
+      </p:cxnSp>
+      <p:sp>
+        <p:nvSpPr>
+          <p:cNvPr id="36" name="TextBox 35"/>
+          <p:cNvSpPr txBox="1"/>
+          <p:nvPr/>
+        </p:nvSpPr>
+        <p:spPr>
+          <a:xfrm>
+            <a:off x="1371600" y="2000072"/>
+            <a:ext cx="809003" cy="646331"/>
+          </a:xfrm>
+          <a:prstGeom prst="rect">
+            <a:avLst/>
+          </a:prstGeom>
+          <a:noFill/>
+        </p:spPr>
+        <p:txBody>
+          <a:bodyPr wrap="none" rtlCol="0">
+            <a:spAutoFit/>
+          </a:bodyPr>
+          <a:lstStyle/>
+          <a:p>
+            <a:pPr algn="ctr"/>
+            <a:r>
+              <a:rPr lang="en-US" dirty="0" smtClean="0"/>
+              <a:t>View </a:t>
+            </a:r>
+          </a:p>
+          <a:p>
+            <a:pPr algn="ctr"/>
+            <a:r>
+              <a:rPr lang="en-US" dirty="0" smtClean="0"/>
+              <a:t>Recipe</a:t>
+            </a:r>
+          </a:p>
+        </p:txBody>
+      </p:sp>
     </p:spTree>
     <p:extLst>
       <p:ext uri="{BB962C8B-B14F-4D97-AF65-F5344CB8AC3E}">
-        <p14:creationId xmlns:p14="http://schemas.microsoft.com/office/powerpoint/2010/main" val="2300988021"/>
+        <p14:creationId xmlns:p14="http://schemas.microsoft.com/office/powerpoint/2010/main" val="3783392761"/>
       </p:ext>
     </p:extLst>
   </p:cSld>

--- a/Product Architecture.pptx
+++ b/Product Architecture.pptx
@@ -5285,22 +5285,191 @@
           </a:p>
         </p:txBody>
       </p:sp>
-      <p:sp>
-        <p:nvSpPr>
-          <p:cNvPr id="3" name="Content Placeholder 2"/>
-          <p:cNvSpPr>
-            <a:spLocks noGrp="1"/>
-          </p:cNvSpPr>
-          <p:nvPr>
-            <p:ph sz="quarter" idx="1"/>
-          </p:nvPr>
-        </p:nvSpPr>
-        <p:spPr/>
-        <p:txBody>
-          <a:bodyPr/>
-          <a:lstStyle/>
-          <a:p>
-            <a:endParaRPr lang="en-US"/>
+      <p:pic>
+        <p:nvPicPr>
+          <p:cNvPr id="4" name="Picture 2" descr="Image result for stick man"/>
+          <p:cNvPicPr>
+            <a:picLocks noChangeAspect="1" noChangeArrowheads="1"/>
+          </p:cNvPicPr>
+          <p:nvPr/>
+        </p:nvPicPr>
+        <p:blipFill>
+          <a:blip r:embed="rId2" cstate="print"/>
+          <a:srcRect/>
+          <a:stretch>
+            <a:fillRect/>
+          </a:stretch>
+        </p:blipFill>
+        <p:spPr bwMode="auto">
+          <a:xfrm>
+            <a:off x="228600" y="2971800"/>
+            <a:ext cx="1619250" cy="2286001"/>
+          </a:xfrm>
+          <a:prstGeom prst="rect">
+            <a:avLst/>
+          </a:prstGeom>
+          <a:noFill/>
+        </p:spPr>
+      </p:pic>
+      <p:cxnSp>
+        <p:nvCxnSpPr>
+          <p:cNvPr id="5" name="Straight Arrow Connector 4"/>
+          <p:cNvCxnSpPr/>
+          <p:nvPr/>
+        </p:nvCxnSpPr>
+        <p:spPr>
+          <a:xfrm>
+            <a:off x="1447800" y="4267200"/>
+            <a:ext cx="1219200" cy="1"/>
+          </a:xfrm>
+          <a:prstGeom prst="straightConnector1">
+            <a:avLst/>
+          </a:prstGeom>
+          <a:ln>
+            <a:tailEnd type="arrow"/>
+          </a:ln>
+        </p:spPr>
+        <p:style>
+          <a:lnRef idx="2">
+            <a:schemeClr val="dk1"/>
+          </a:lnRef>
+          <a:fillRef idx="0">
+            <a:schemeClr val="dk1"/>
+          </a:fillRef>
+          <a:effectRef idx="1">
+            <a:schemeClr val="dk1"/>
+          </a:effectRef>
+          <a:fontRef idx="minor">
+            <a:schemeClr val="tx1"/>
+          </a:fontRef>
+        </p:style>
+      </p:cxnSp>
+      <p:sp>
+        <p:nvSpPr>
+          <p:cNvPr id="6" name="Oval 5"/>
+          <p:cNvSpPr/>
+          <p:nvPr/>
+        </p:nvSpPr>
+        <p:spPr>
+          <a:xfrm>
+            <a:off x="2667000" y="3581400"/>
+            <a:ext cx="2286000" cy="1295400"/>
+          </a:xfrm>
+          <a:prstGeom prst="ellipse">
+            <a:avLst/>
+          </a:prstGeom>
+        </p:spPr>
+        <p:style>
+          <a:lnRef idx="1">
+            <a:schemeClr val="accent1"/>
+          </a:lnRef>
+          <a:fillRef idx="2">
+            <a:schemeClr val="accent1"/>
+          </a:fillRef>
+          <a:effectRef idx="1">
+            <a:schemeClr val="accent1"/>
+          </a:effectRef>
+          <a:fontRef idx="minor">
+            <a:schemeClr val="dk1"/>
+          </a:fontRef>
+        </p:style>
+        <p:txBody>
+          <a:bodyPr rtlCol="0" anchor="ctr"/>
+          <a:lstStyle/>
+          <a:p>
+            <a:pPr algn="ctr"/>
+            <a:r>
+              <a:rPr lang="en-US" dirty="0" smtClean="0"/>
+              <a:t>Search</a:t>
+            </a:r>
+          </a:p>
+          <a:p>
+            <a:pPr algn="ctr"/>
+            <a:r>
+              <a:rPr lang="en-US" dirty="0" smtClean="0"/>
+              <a:t>Recipe</a:t>
+            </a:r>
+          </a:p>
+        </p:txBody>
+      </p:sp>
+      <p:cxnSp>
+        <p:nvCxnSpPr>
+          <p:cNvPr id="7" name="Straight Arrow Connector 6"/>
+          <p:cNvCxnSpPr/>
+          <p:nvPr/>
+        </p:nvCxnSpPr>
+        <p:spPr>
+          <a:xfrm>
+            <a:off x="4953000" y="4267200"/>
+            <a:ext cx="1371600" cy="1"/>
+          </a:xfrm>
+          <a:prstGeom prst="straightConnector1">
+            <a:avLst/>
+          </a:prstGeom>
+          <a:ln>
+            <a:tailEnd type="arrow"/>
+          </a:ln>
+        </p:spPr>
+        <p:style>
+          <a:lnRef idx="2">
+            <a:schemeClr val="dk1"/>
+          </a:lnRef>
+          <a:fillRef idx="0">
+            <a:schemeClr val="dk1"/>
+          </a:fillRef>
+          <a:effectRef idx="1">
+            <a:schemeClr val="dk1"/>
+          </a:effectRef>
+          <a:fontRef idx="minor">
+            <a:schemeClr val="tx1"/>
+          </a:fontRef>
+        </p:style>
+      </p:cxnSp>
+      <p:sp>
+        <p:nvSpPr>
+          <p:cNvPr id="8" name="Oval 7"/>
+          <p:cNvSpPr/>
+          <p:nvPr/>
+        </p:nvSpPr>
+        <p:spPr>
+          <a:xfrm>
+            <a:off x="6324600" y="3657600"/>
+            <a:ext cx="2286000" cy="1295400"/>
+          </a:xfrm>
+          <a:prstGeom prst="ellipse">
+            <a:avLst/>
+          </a:prstGeom>
+        </p:spPr>
+        <p:style>
+          <a:lnRef idx="1">
+            <a:schemeClr val="accent1"/>
+          </a:lnRef>
+          <a:fillRef idx="2">
+            <a:schemeClr val="accent1"/>
+          </a:fillRef>
+          <a:effectRef idx="1">
+            <a:schemeClr val="accent1"/>
+          </a:effectRef>
+          <a:fontRef idx="minor">
+            <a:schemeClr val="dk1"/>
+          </a:fontRef>
+        </p:style>
+        <p:txBody>
+          <a:bodyPr rtlCol="0" anchor="ctr"/>
+          <a:lstStyle/>
+          <a:p>
+            <a:pPr algn="ctr"/>
+            <a:r>
+              <a:rPr lang="en-US" dirty="0" smtClean="0"/>
+              <a:t>View</a:t>
+            </a:r>
+          </a:p>
+          <a:p>
+            <a:pPr algn="ctr"/>
+            <a:r>
+              <a:rPr lang="en-US" dirty="0" smtClean="0"/>
+              <a:t>Recipe</a:t>
+            </a:r>
           </a:p>
         </p:txBody>
       </p:sp>
@@ -5357,25 +5526,562 @@
           </a:p>
         </p:txBody>
       </p:sp>
-      <p:sp>
-        <p:nvSpPr>
-          <p:cNvPr id="3" name="Content Placeholder 2"/>
-          <p:cNvSpPr>
-            <a:spLocks noGrp="1"/>
-          </p:cNvSpPr>
-          <p:nvPr>
-            <p:ph sz="quarter" idx="1"/>
-          </p:nvPr>
-        </p:nvSpPr>
-        <p:spPr/>
-        <p:txBody>
-          <a:bodyPr/>
-          <a:lstStyle/>
-          <a:p>
-            <a:endParaRPr lang="en-US"/>
-          </a:p>
-        </p:txBody>
-      </p:sp>
+      <p:grpSp>
+        <p:nvGrpSpPr>
+          <p:cNvPr id="4" name="Group 3"/>
+          <p:cNvGrpSpPr/>
+          <p:nvPr/>
+        </p:nvGrpSpPr>
+        <p:grpSpPr>
+          <a:xfrm>
+            <a:off x="1524000" y="1998974"/>
+            <a:ext cx="6324600" cy="4323514"/>
+            <a:chOff x="304800" y="609600"/>
+            <a:chExt cx="8248650" cy="5638800"/>
+          </a:xfrm>
+        </p:grpSpPr>
+        <p:pic>
+          <p:nvPicPr>
+            <p:cNvPr id="5" name="Picture 2" descr="Image result for stick man"/>
+            <p:cNvPicPr>
+              <a:picLocks noChangeAspect="1" noChangeArrowheads="1"/>
+            </p:cNvPicPr>
+            <p:nvPr/>
+          </p:nvPicPr>
+          <p:blipFill>
+            <a:blip r:embed="rId2" cstate="print"/>
+            <a:srcRect/>
+            <a:stretch>
+              <a:fillRect/>
+            </a:stretch>
+          </p:blipFill>
+          <p:spPr bwMode="auto">
+            <a:xfrm>
+              <a:off x="304800" y="2438400"/>
+              <a:ext cx="1619250" cy="2286001"/>
+            </a:xfrm>
+            <a:prstGeom prst="rect">
+              <a:avLst/>
+            </a:prstGeom>
+            <a:noFill/>
+          </p:spPr>
+        </p:pic>
+        <p:cxnSp>
+          <p:nvCxnSpPr>
+            <p:cNvPr id="6" name="Straight Arrow Connector 5"/>
+            <p:cNvCxnSpPr/>
+            <p:nvPr/>
+          </p:nvCxnSpPr>
+          <p:spPr>
+            <a:xfrm flipV="1">
+              <a:off x="1676400" y="1219200"/>
+              <a:ext cx="1752600" cy="2057400"/>
+            </a:xfrm>
+            <a:prstGeom prst="straightConnector1">
+              <a:avLst/>
+            </a:prstGeom>
+            <a:ln>
+              <a:tailEnd type="arrow"/>
+            </a:ln>
+          </p:spPr>
+          <p:style>
+            <a:lnRef idx="2">
+              <a:schemeClr val="dk1"/>
+            </a:lnRef>
+            <a:fillRef idx="0">
+              <a:schemeClr val="dk1"/>
+            </a:fillRef>
+            <a:effectRef idx="1">
+              <a:schemeClr val="dk1"/>
+            </a:effectRef>
+            <a:fontRef idx="minor">
+              <a:schemeClr val="tx1"/>
+            </a:fontRef>
+          </p:style>
+        </p:cxnSp>
+        <p:sp>
+          <p:nvSpPr>
+            <p:cNvPr id="7" name="Oval 6"/>
+            <p:cNvSpPr/>
+            <p:nvPr/>
+          </p:nvSpPr>
+          <p:spPr>
+            <a:xfrm>
+              <a:off x="3429000" y="609600"/>
+              <a:ext cx="2286000" cy="1295400"/>
+            </a:xfrm>
+            <a:prstGeom prst="ellipse">
+              <a:avLst/>
+            </a:prstGeom>
+          </p:spPr>
+          <p:style>
+            <a:lnRef idx="1">
+              <a:schemeClr val="accent1"/>
+            </a:lnRef>
+            <a:fillRef idx="2">
+              <a:schemeClr val="accent1"/>
+            </a:fillRef>
+            <a:effectRef idx="1">
+              <a:schemeClr val="accent1"/>
+            </a:effectRef>
+            <a:fontRef idx="minor">
+              <a:schemeClr val="dk1"/>
+            </a:fontRef>
+          </p:style>
+          <p:txBody>
+            <a:bodyPr rtlCol="0" anchor="ctr"/>
+            <a:lstStyle/>
+            <a:p>
+              <a:pPr algn="ctr"/>
+              <a:r>
+                <a:rPr lang="en-US" dirty="0" smtClean="0"/>
+                <a:t>Add</a:t>
+              </a:r>
+            </a:p>
+            <a:p>
+              <a:pPr algn="ctr"/>
+              <a:r>
+                <a:rPr lang="en-US" dirty="0" smtClean="0"/>
+                <a:t>Recipe</a:t>
+              </a:r>
+            </a:p>
+          </p:txBody>
+        </p:sp>
+        <p:sp>
+          <p:nvSpPr>
+            <p:cNvPr id="8" name="Oval 7"/>
+            <p:cNvSpPr/>
+            <p:nvPr/>
+          </p:nvSpPr>
+          <p:spPr>
+            <a:xfrm>
+              <a:off x="3429000" y="3505200"/>
+              <a:ext cx="2286000" cy="1295400"/>
+            </a:xfrm>
+            <a:prstGeom prst="ellipse">
+              <a:avLst/>
+            </a:prstGeom>
+          </p:spPr>
+          <p:style>
+            <a:lnRef idx="1">
+              <a:schemeClr val="accent1"/>
+            </a:lnRef>
+            <a:fillRef idx="2">
+              <a:schemeClr val="accent1"/>
+            </a:fillRef>
+            <a:effectRef idx="1">
+              <a:schemeClr val="accent1"/>
+            </a:effectRef>
+            <a:fontRef idx="minor">
+              <a:schemeClr val="dk1"/>
+            </a:fontRef>
+          </p:style>
+          <p:txBody>
+            <a:bodyPr rtlCol="0" anchor="ctr"/>
+            <a:lstStyle/>
+            <a:p>
+              <a:pPr algn="ctr"/>
+              <a:r>
+                <a:rPr lang="en-US" dirty="0" smtClean="0"/>
+                <a:t>View</a:t>
+              </a:r>
+            </a:p>
+            <a:p>
+              <a:pPr algn="ctr"/>
+              <a:r>
+                <a:rPr lang="en-US" dirty="0" smtClean="0"/>
+                <a:t>Recipe</a:t>
+              </a:r>
+            </a:p>
+          </p:txBody>
+        </p:sp>
+        <p:sp>
+          <p:nvSpPr>
+            <p:cNvPr id="9" name="Oval 8"/>
+            <p:cNvSpPr/>
+            <p:nvPr/>
+          </p:nvSpPr>
+          <p:spPr>
+            <a:xfrm>
+              <a:off x="3429000" y="4953000"/>
+              <a:ext cx="2286000" cy="1295400"/>
+            </a:xfrm>
+            <a:prstGeom prst="ellipse">
+              <a:avLst/>
+            </a:prstGeom>
+          </p:spPr>
+          <p:style>
+            <a:lnRef idx="1">
+              <a:schemeClr val="accent1"/>
+            </a:lnRef>
+            <a:fillRef idx="2">
+              <a:schemeClr val="accent1"/>
+            </a:fillRef>
+            <a:effectRef idx="1">
+              <a:schemeClr val="accent1"/>
+            </a:effectRef>
+            <a:fontRef idx="minor">
+              <a:schemeClr val="dk1"/>
+            </a:fontRef>
+          </p:style>
+          <p:txBody>
+            <a:bodyPr rtlCol="0" anchor="ctr"/>
+            <a:lstStyle/>
+            <a:p>
+              <a:pPr algn="ctr"/>
+              <a:r>
+                <a:rPr lang="en-US" dirty="0" smtClean="0"/>
+                <a:t>Delete</a:t>
+              </a:r>
+            </a:p>
+            <a:p>
+              <a:pPr algn="ctr"/>
+              <a:r>
+                <a:rPr lang="en-US" dirty="0" smtClean="0"/>
+                <a:t>Recipe</a:t>
+              </a:r>
+            </a:p>
+          </p:txBody>
+        </p:sp>
+        <p:sp>
+          <p:nvSpPr>
+            <p:cNvPr id="10" name="Oval 9"/>
+            <p:cNvSpPr/>
+            <p:nvPr/>
+          </p:nvSpPr>
+          <p:spPr>
+            <a:xfrm>
+              <a:off x="3429000" y="2057400"/>
+              <a:ext cx="2286000" cy="1295400"/>
+            </a:xfrm>
+            <a:prstGeom prst="ellipse">
+              <a:avLst/>
+            </a:prstGeom>
+          </p:spPr>
+          <p:style>
+            <a:lnRef idx="1">
+              <a:schemeClr val="accent1"/>
+            </a:lnRef>
+            <a:fillRef idx="2">
+              <a:schemeClr val="accent1"/>
+            </a:fillRef>
+            <a:effectRef idx="1">
+              <a:schemeClr val="accent1"/>
+            </a:effectRef>
+            <a:fontRef idx="minor">
+              <a:schemeClr val="dk1"/>
+            </a:fontRef>
+          </p:style>
+          <p:txBody>
+            <a:bodyPr rtlCol="0" anchor="ctr"/>
+            <a:lstStyle/>
+            <a:p>
+              <a:pPr algn="ctr"/>
+              <a:r>
+                <a:rPr lang="en-US" dirty="0" smtClean="0"/>
+                <a:t>Edit</a:t>
+              </a:r>
+            </a:p>
+            <a:p>
+              <a:pPr algn="ctr"/>
+              <a:r>
+                <a:rPr lang="en-US" dirty="0" smtClean="0"/>
+                <a:t>Recipe</a:t>
+              </a:r>
+            </a:p>
+          </p:txBody>
+        </p:sp>
+        <p:cxnSp>
+          <p:nvCxnSpPr>
+            <p:cNvPr id="11" name="Straight Arrow Connector 10"/>
+            <p:cNvCxnSpPr/>
+            <p:nvPr/>
+          </p:nvCxnSpPr>
+          <p:spPr>
+            <a:xfrm flipV="1">
+              <a:off x="1676400" y="2743200"/>
+              <a:ext cx="1752600" cy="838200"/>
+            </a:xfrm>
+            <a:prstGeom prst="straightConnector1">
+              <a:avLst/>
+            </a:prstGeom>
+            <a:ln>
+              <a:tailEnd type="arrow"/>
+            </a:ln>
+          </p:spPr>
+          <p:style>
+            <a:lnRef idx="2">
+              <a:schemeClr val="dk1"/>
+            </a:lnRef>
+            <a:fillRef idx="0">
+              <a:schemeClr val="dk1"/>
+            </a:fillRef>
+            <a:effectRef idx="1">
+              <a:schemeClr val="dk1"/>
+            </a:effectRef>
+            <a:fontRef idx="minor">
+              <a:schemeClr val="tx1"/>
+            </a:fontRef>
+          </p:style>
+        </p:cxnSp>
+        <p:cxnSp>
+          <p:nvCxnSpPr>
+            <p:cNvPr id="12" name="Straight Arrow Connector 11"/>
+            <p:cNvCxnSpPr/>
+            <p:nvPr/>
+          </p:nvCxnSpPr>
+          <p:spPr>
+            <a:xfrm>
+              <a:off x="1676400" y="3886200"/>
+              <a:ext cx="1752600" cy="228600"/>
+            </a:xfrm>
+            <a:prstGeom prst="straightConnector1">
+              <a:avLst/>
+            </a:prstGeom>
+            <a:ln>
+              <a:tailEnd type="arrow"/>
+            </a:ln>
+          </p:spPr>
+          <p:style>
+            <a:lnRef idx="2">
+              <a:schemeClr val="dk1"/>
+            </a:lnRef>
+            <a:fillRef idx="0">
+              <a:schemeClr val="dk1"/>
+            </a:fillRef>
+            <a:effectRef idx="1">
+              <a:schemeClr val="dk1"/>
+            </a:effectRef>
+            <a:fontRef idx="minor">
+              <a:schemeClr val="tx1"/>
+            </a:fontRef>
+          </p:style>
+        </p:cxnSp>
+        <p:cxnSp>
+          <p:nvCxnSpPr>
+            <p:cNvPr id="13" name="Straight Arrow Connector 12"/>
+            <p:cNvCxnSpPr/>
+            <p:nvPr/>
+          </p:nvCxnSpPr>
+          <p:spPr>
+            <a:xfrm>
+              <a:off x="1676400" y="4191000"/>
+              <a:ext cx="1752600" cy="1447800"/>
+            </a:xfrm>
+            <a:prstGeom prst="straightConnector1">
+              <a:avLst/>
+            </a:prstGeom>
+            <a:ln>
+              <a:tailEnd type="arrow"/>
+            </a:ln>
+          </p:spPr>
+          <p:style>
+            <a:lnRef idx="2">
+              <a:schemeClr val="dk1"/>
+            </a:lnRef>
+            <a:fillRef idx="0">
+              <a:schemeClr val="dk1"/>
+            </a:fillRef>
+            <a:effectRef idx="1">
+              <a:schemeClr val="dk1"/>
+            </a:effectRef>
+            <a:fontRef idx="minor">
+              <a:schemeClr val="tx1"/>
+            </a:fontRef>
+          </p:style>
+        </p:cxnSp>
+        <p:sp>
+          <p:nvSpPr>
+            <p:cNvPr id="14" name="TextBox 13"/>
+            <p:cNvSpPr txBox="1"/>
+            <p:nvPr/>
+          </p:nvSpPr>
+          <p:spPr>
+            <a:xfrm>
+              <a:off x="762000" y="4648200"/>
+              <a:ext cx="617477" cy="369332"/>
+            </a:xfrm>
+            <a:prstGeom prst="rect">
+              <a:avLst/>
+            </a:prstGeom>
+            <a:noFill/>
+          </p:spPr>
+          <p:txBody>
+            <a:bodyPr wrap="none" rtlCol="0">
+              <a:spAutoFit/>
+            </a:bodyPr>
+            <a:lstStyle/>
+            <a:p>
+              <a:r>
+                <a:rPr lang="en-US" dirty="0" smtClean="0"/>
+                <a:t>User</a:t>
+              </a:r>
+            </a:p>
+          </p:txBody>
+        </p:sp>
+        <p:pic>
+          <p:nvPicPr>
+            <p:cNvPr id="15" name="Picture 2" descr="Image result for stick man"/>
+            <p:cNvPicPr>
+              <a:picLocks noChangeAspect="1" noChangeArrowheads="1"/>
+            </p:cNvPicPr>
+            <p:nvPr/>
+          </p:nvPicPr>
+          <p:blipFill>
+            <a:blip r:embed="rId2" cstate="print"/>
+            <a:srcRect/>
+            <a:stretch>
+              <a:fillRect/>
+            </a:stretch>
+          </p:blipFill>
+          <p:spPr bwMode="auto">
+            <a:xfrm>
+              <a:off x="6934200" y="2209800"/>
+              <a:ext cx="1619250" cy="2286001"/>
+            </a:xfrm>
+            <a:prstGeom prst="rect">
+              <a:avLst/>
+            </a:prstGeom>
+            <a:noFill/>
+          </p:spPr>
+        </p:pic>
+        <p:cxnSp>
+          <p:nvCxnSpPr>
+            <p:cNvPr id="16" name="Straight Arrow Connector 15"/>
+            <p:cNvCxnSpPr/>
+            <p:nvPr/>
+          </p:nvCxnSpPr>
+          <p:spPr>
+            <a:xfrm>
+              <a:off x="5715000" y="1219200"/>
+              <a:ext cx="1295400" cy="1600200"/>
+            </a:xfrm>
+            <a:prstGeom prst="straightConnector1">
+              <a:avLst/>
+            </a:prstGeom>
+            <a:ln>
+              <a:tailEnd type="arrow"/>
+            </a:ln>
+          </p:spPr>
+          <p:style>
+            <a:lnRef idx="2">
+              <a:schemeClr val="dk1"/>
+            </a:lnRef>
+            <a:fillRef idx="0">
+              <a:schemeClr val="dk1"/>
+            </a:fillRef>
+            <a:effectRef idx="1">
+              <a:schemeClr val="dk1"/>
+            </a:effectRef>
+            <a:fontRef idx="minor">
+              <a:schemeClr val="tx1"/>
+            </a:fontRef>
+          </p:style>
+        </p:cxnSp>
+        <p:cxnSp>
+          <p:nvCxnSpPr>
+            <p:cNvPr id="17" name="Straight Arrow Connector 16"/>
+            <p:cNvCxnSpPr/>
+            <p:nvPr/>
+          </p:nvCxnSpPr>
+          <p:spPr>
+            <a:xfrm>
+              <a:off x="5715000" y="2743200"/>
+              <a:ext cx="1219200" cy="762000"/>
+            </a:xfrm>
+            <a:prstGeom prst="straightConnector1">
+              <a:avLst/>
+            </a:prstGeom>
+            <a:ln>
+              <a:tailEnd type="arrow"/>
+            </a:ln>
+          </p:spPr>
+          <p:style>
+            <a:lnRef idx="2">
+              <a:schemeClr val="dk1"/>
+            </a:lnRef>
+            <a:fillRef idx="0">
+              <a:schemeClr val="dk1"/>
+            </a:fillRef>
+            <a:effectRef idx="1">
+              <a:schemeClr val="dk1"/>
+            </a:effectRef>
+            <a:fontRef idx="minor">
+              <a:schemeClr val="tx1"/>
+            </a:fontRef>
+          </p:style>
+        </p:cxnSp>
+        <p:cxnSp>
+          <p:nvCxnSpPr>
+            <p:cNvPr id="18" name="Straight Arrow Connector 17"/>
+            <p:cNvCxnSpPr/>
+            <p:nvPr/>
+          </p:nvCxnSpPr>
+          <p:spPr>
+            <a:xfrm flipV="1">
+              <a:off x="5715000" y="4191000"/>
+              <a:ext cx="1295400" cy="1447800"/>
+            </a:xfrm>
+            <a:prstGeom prst="straightConnector1">
+              <a:avLst/>
+            </a:prstGeom>
+            <a:ln>
+              <a:tailEnd type="arrow"/>
+            </a:ln>
+          </p:spPr>
+          <p:style>
+            <a:lnRef idx="2">
+              <a:schemeClr val="dk1"/>
+            </a:lnRef>
+            <a:fillRef idx="0">
+              <a:schemeClr val="dk1"/>
+            </a:fillRef>
+            <a:effectRef idx="1">
+              <a:schemeClr val="dk1"/>
+            </a:effectRef>
+            <a:fontRef idx="minor">
+              <a:schemeClr val="tx1"/>
+            </a:fontRef>
+          </p:style>
+        </p:cxnSp>
+        <p:sp>
+          <p:nvSpPr>
+            <p:cNvPr id="19" name="TextBox 18"/>
+            <p:cNvSpPr txBox="1"/>
+            <p:nvPr/>
+          </p:nvSpPr>
+          <p:spPr>
+            <a:xfrm>
+              <a:off x="7239000" y="4419600"/>
+              <a:ext cx="1114279" cy="646331"/>
+            </a:xfrm>
+            <a:prstGeom prst="rect">
+              <a:avLst/>
+            </a:prstGeom>
+            <a:noFill/>
+          </p:spPr>
+          <p:txBody>
+            <a:bodyPr wrap="none" rtlCol="0">
+              <a:spAutoFit/>
+            </a:bodyPr>
+            <a:lstStyle/>
+            <a:p>
+              <a:pPr algn="ctr"/>
+              <a:r>
+                <a:rPr lang="en-US" dirty="0" smtClean="0"/>
+                <a:t>Recipe </a:t>
+              </a:r>
+            </a:p>
+            <a:p>
+              <a:pPr algn="ctr"/>
+              <a:r>
+                <a:rPr lang="en-US" dirty="0" smtClean="0"/>
+                <a:t>Data Base</a:t>
+              </a:r>
+            </a:p>
+          </p:txBody>
+        </p:sp>
+      </p:grpSp>
     </p:spTree>
     <p:extLst>
       <p:ext uri="{BB962C8B-B14F-4D97-AF65-F5344CB8AC3E}">

--- a/Product Architecture.pptx
+++ b/Product Architecture.pptx
@@ -4230,7 +4230,7 @@
       </p:sp>
       <p:grpSp>
         <p:nvGrpSpPr>
-          <p:cNvPr id="27" name="Group 26"/>
+          <p:cNvPr id="3" name="Group 2"/>
           <p:cNvGrpSpPr/>
           <p:nvPr/>
         </p:nvGrpSpPr>
@@ -4257,9 +4257,8 @@
               <a:avLst/>
             </a:prstGeom>
             <a:solidFill>
-              <a:schemeClr val="accent2">
-                <a:lumMod val="20000"/>
-                <a:lumOff val="80000"/>
+              <a:schemeClr val="bg1">
+                <a:lumMod val="85000"/>
               </a:schemeClr>
             </a:solidFill>
             <a:ln>
@@ -5141,23 +5140,271 @@
       </p:sp>
       <p:sp>
         <p:nvSpPr>
-          <p:cNvPr id="3" name="Content Placeholder 2"/>
-          <p:cNvSpPr>
-            <a:spLocks noGrp="1"/>
-          </p:cNvSpPr>
-          <p:nvPr>
-            <p:ph sz="quarter" idx="1"/>
-          </p:nvPr>
-        </p:nvSpPr>
-        <p:spPr/>
-        <p:txBody>
-          <a:bodyPr/>
-          <a:lstStyle/>
-          <a:p>
-            <a:endParaRPr lang="en-US"/>
-          </a:p>
-        </p:txBody>
-      </p:sp>
+          <p:cNvPr id="4" name="Rectangle 3"/>
+          <p:cNvSpPr/>
+          <p:nvPr/>
+        </p:nvSpPr>
+        <p:spPr>
+          <a:xfrm>
+            <a:off x="3041235" y="2219414"/>
+            <a:ext cx="3061531" cy="990600"/>
+          </a:xfrm>
+          <a:prstGeom prst="rect">
+            <a:avLst/>
+          </a:prstGeom>
+          <a:solidFill>
+            <a:srgbClr val="775F55"/>
+          </a:solidFill>
+          <a:ln>
+            <a:solidFill>
+              <a:schemeClr val="bg2">
+                <a:lumMod val="10000"/>
+              </a:schemeClr>
+            </a:solidFill>
+          </a:ln>
+        </p:spPr>
+        <p:style>
+          <a:lnRef idx="2">
+            <a:schemeClr val="accent1">
+              <a:shade val="50000"/>
+            </a:schemeClr>
+          </a:lnRef>
+          <a:fillRef idx="1">
+            <a:schemeClr val="accent1"/>
+          </a:fillRef>
+          <a:effectRef idx="0">
+            <a:schemeClr val="accent1"/>
+          </a:effectRef>
+          <a:fontRef idx="minor">
+            <a:schemeClr val="lt1"/>
+          </a:fontRef>
+        </p:style>
+        <p:txBody>
+          <a:bodyPr rtlCol="0" anchor="ctr"/>
+          <a:lstStyle/>
+          <a:p>
+            <a:pPr algn="ctr"/>
+            <a:r>
+              <a:rPr lang="en-US" dirty="0"/>
+              <a:t>«system»</a:t>
+            </a:r>
+          </a:p>
+          <a:p>
+            <a:pPr algn="ctr"/>
+            <a:r>
+              <a:rPr lang="en-US" dirty="0" smtClean="0"/>
+              <a:t>Pocket Chef</a:t>
+            </a:r>
+            <a:endParaRPr lang="en-US" dirty="0"/>
+          </a:p>
+        </p:txBody>
+      </p:sp>
+      <p:sp>
+        <p:nvSpPr>
+          <p:cNvPr id="5" name="Rectangle 4"/>
+          <p:cNvSpPr/>
+          <p:nvPr/>
+        </p:nvSpPr>
+        <p:spPr>
+          <a:xfrm>
+            <a:off x="794581" y="4810214"/>
+            <a:ext cx="3352800" cy="990600"/>
+          </a:xfrm>
+          <a:prstGeom prst="rect">
+            <a:avLst/>
+          </a:prstGeom>
+          <a:solidFill>
+            <a:srgbClr val="775F55"/>
+          </a:solidFill>
+          <a:ln>
+            <a:solidFill>
+              <a:schemeClr val="bg2">
+                <a:lumMod val="10000"/>
+              </a:schemeClr>
+            </a:solidFill>
+          </a:ln>
+        </p:spPr>
+        <p:style>
+          <a:lnRef idx="2">
+            <a:schemeClr val="accent1">
+              <a:shade val="50000"/>
+            </a:schemeClr>
+          </a:lnRef>
+          <a:fillRef idx="1">
+            <a:schemeClr val="accent1"/>
+          </a:fillRef>
+          <a:effectRef idx="0">
+            <a:schemeClr val="accent1"/>
+          </a:effectRef>
+          <a:fontRef idx="minor">
+            <a:schemeClr val="lt1"/>
+          </a:fontRef>
+        </p:style>
+        <p:txBody>
+          <a:bodyPr rtlCol="0" anchor="ctr"/>
+          <a:lstStyle/>
+          <a:p>
+            <a:pPr algn="ctr"/>
+            <a:r>
+              <a:rPr lang="en-US" dirty="0"/>
+              <a:t>«system</a:t>
+            </a:r>
+            <a:r>
+              <a:rPr lang="en-US" dirty="0" smtClean="0"/>
+              <a:t>»</a:t>
+            </a:r>
+          </a:p>
+          <a:p>
+            <a:pPr algn="ctr"/>
+            <a:r>
+              <a:rPr lang="en-US" dirty="0" smtClean="0"/>
+              <a:t>SQLite Database</a:t>
+            </a:r>
+            <a:endParaRPr lang="en-US" dirty="0"/>
+          </a:p>
+        </p:txBody>
+      </p:sp>
+      <p:sp>
+        <p:nvSpPr>
+          <p:cNvPr id="6" name="Rectangle 5"/>
+          <p:cNvSpPr/>
+          <p:nvPr/>
+        </p:nvSpPr>
+        <p:spPr>
+          <a:xfrm>
+            <a:off x="4996619" y="4810214"/>
+            <a:ext cx="3352800" cy="990600"/>
+          </a:xfrm>
+          <a:prstGeom prst="rect">
+            <a:avLst/>
+          </a:prstGeom>
+          <a:solidFill>
+            <a:srgbClr val="775F55"/>
+          </a:solidFill>
+          <a:ln>
+            <a:solidFill>
+              <a:schemeClr val="bg2">
+                <a:lumMod val="10000"/>
+              </a:schemeClr>
+            </a:solidFill>
+          </a:ln>
+        </p:spPr>
+        <p:style>
+          <a:lnRef idx="2">
+            <a:schemeClr val="accent1">
+              <a:shade val="50000"/>
+            </a:schemeClr>
+          </a:lnRef>
+          <a:fillRef idx="1">
+            <a:schemeClr val="accent1"/>
+          </a:fillRef>
+          <a:effectRef idx="0">
+            <a:schemeClr val="accent1"/>
+          </a:effectRef>
+          <a:fontRef idx="minor">
+            <a:schemeClr val="lt1"/>
+          </a:fontRef>
+        </p:style>
+        <p:txBody>
+          <a:bodyPr rtlCol="0" anchor="ctr"/>
+          <a:lstStyle/>
+          <a:p>
+            <a:pPr algn="ctr"/>
+            <a:r>
+              <a:rPr lang="en-US" dirty="0" smtClean="0"/>
+              <a:t>«system»</a:t>
+            </a:r>
+          </a:p>
+          <a:p>
+            <a:pPr algn="ctr"/>
+            <a:r>
+              <a:rPr lang="en-US" dirty="0" smtClean="0"/>
+              <a:t>IO for Recipe DB Backup</a:t>
+            </a:r>
+            <a:endParaRPr lang="en-US" dirty="0"/>
+          </a:p>
+        </p:txBody>
+      </p:sp>
+      <p:cxnSp>
+        <p:nvCxnSpPr>
+          <p:cNvPr id="9" name="Straight Connector 8"/>
+          <p:cNvCxnSpPr>
+            <a:stCxn id="4" idx="2"/>
+            <a:endCxn id="5" idx="0"/>
+          </p:cNvCxnSpPr>
+          <p:nvPr/>
+        </p:nvCxnSpPr>
+        <p:spPr>
+          <a:xfrm flipH="1">
+            <a:off x="2470981" y="3210014"/>
+            <a:ext cx="2101020" cy="1600200"/>
+          </a:xfrm>
+          <a:prstGeom prst="line">
+            <a:avLst/>
+          </a:prstGeom>
+          <a:ln w="25400">
+            <a:solidFill>
+              <a:schemeClr val="tx1">
+                <a:alpha val="68000"/>
+              </a:schemeClr>
+            </a:solidFill>
+          </a:ln>
+        </p:spPr>
+        <p:style>
+          <a:lnRef idx="1">
+            <a:schemeClr val="accent1"/>
+          </a:lnRef>
+          <a:fillRef idx="0">
+            <a:schemeClr val="accent1"/>
+          </a:fillRef>
+          <a:effectRef idx="0">
+            <a:schemeClr val="accent1"/>
+          </a:effectRef>
+          <a:fontRef idx="minor">
+            <a:schemeClr val="tx1"/>
+          </a:fontRef>
+        </p:style>
+      </p:cxnSp>
+      <p:cxnSp>
+        <p:nvCxnSpPr>
+          <p:cNvPr id="11" name="Straight Connector 10"/>
+          <p:cNvCxnSpPr>
+            <a:stCxn id="4" idx="2"/>
+            <a:endCxn id="6" idx="0"/>
+          </p:cNvCxnSpPr>
+          <p:nvPr/>
+        </p:nvCxnSpPr>
+        <p:spPr>
+          <a:xfrm>
+            <a:off x="4572001" y="3210014"/>
+            <a:ext cx="2101018" cy="1600200"/>
+          </a:xfrm>
+          <a:prstGeom prst="line">
+            <a:avLst/>
+          </a:prstGeom>
+          <a:ln w="25400">
+            <a:solidFill>
+              <a:schemeClr val="tx1">
+                <a:alpha val="68000"/>
+              </a:schemeClr>
+            </a:solidFill>
+          </a:ln>
+        </p:spPr>
+        <p:style>
+          <a:lnRef idx="1">
+            <a:schemeClr val="accent1"/>
+          </a:lnRef>
+          <a:fillRef idx="0">
+            <a:schemeClr val="accent1"/>
+          </a:fillRef>
+          <a:effectRef idx="0">
+            <a:schemeClr val="accent1"/>
+          </a:effectRef>
+          <a:fontRef idx="minor">
+            <a:schemeClr val="tx1"/>
+          </a:fontRef>
+        </p:style>
+      </p:cxnSp>
     </p:spTree>
     <p:extLst>
       <p:ext uri="{BB962C8B-B14F-4D97-AF65-F5344CB8AC3E}">
@@ -5168,6 +5415,13 @@
   <p:clrMapOvr>
     <a:masterClrMapping/>
   </p:clrMapOvr>
+  <p:timing>
+    <p:tnLst>
+      <p:par>
+        <p:cTn id="1" dur="indefinite" restart="never" nodeType="tmRoot"/>
+      </p:par>
+    </p:tnLst>
+  </p:timing>
 </p:sld>
 </file>
 

--- a/Product Architecture.pptx
+++ b/Product Architecture.pptx
@@ -9,10 +9,10 @@
     <p:sldId id="268" r:id="rId3"/>
     <p:sldId id="260" r:id="rId4"/>
     <p:sldId id="261" r:id="rId5"/>
-    <p:sldId id="262" r:id="rId6"/>
-    <p:sldId id="263" r:id="rId7"/>
-    <p:sldId id="264" r:id="rId8"/>
-    <p:sldId id="259" r:id="rId9"/>
+    <p:sldId id="263" r:id="rId6"/>
+    <p:sldId id="264" r:id="rId7"/>
+    <p:sldId id="259" r:id="rId8"/>
+    <p:sldId id="269" r:id="rId9"/>
     <p:sldId id="265" r:id="rId10"/>
     <p:sldId id="266" r:id="rId11"/>
     <p:sldId id="267" r:id="rId12"/>
@@ -3748,6 +3748,13 @@
   <p:clrMapOvr>
     <a:masterClrMapping/>
   </p:clrMapOvr>
+  <p:timing>
+    <p:tnLst>
+      <p:par>
+        <p:cTn id="1" dur="indefinite" restart="never" nodeType="tmRoot"/>
+      </p:par>
+    </p:tnLst>
+  </p:timing>
 </p:sld>
 </file>
 
@@ -4183,6 +4190,13 @@
   <p:clrMapOvr>
     <a:masterClrMapping/>
   </p:clrMapOvr>
+  <p:timing>
+    <p:tnLst>
+      <p:par>
+        <p:cTn id="1" dur="indefinite" restart="never" nodeType="tmRoot"/>
+      </p:par>
+    </p:tnLst>
+  </p:timing>
 </p:sld>
 </file>
 
@@ -5095,6 +5109,13 @@
   <p:clrMapOvr>
     <a:masterClrMapping/>
   </p:clrMapOvr>
+  <p:timing>
+    <p:tnLst>
+      <p:par>
+        <p:cTn id="1" dur="indefinite" restart="never" nodeType="tmRoot"/>
+      </p:par>
+    </p:tnLst>
+  </p:timing>
 </p:sld>
 </file>
 
@@ -5454,78 +5475,6 @@
         </p:nvSpPr>
         <p:spPr/>
         <p:txBody>
-          <a:bodyPr/>
-          <a:lstStyle/>
-          <a:p>
-            <a:r>
-              <a:rPr lang="en-US" dirty="0" smtClean="0"/>
-              <a:t>Activity Diagram</a:t>
-            </a:r>
-            <a:endParaRPr lang="en-US" dirty="0"/>
-          </a:p>
-        </p:txBody>
-      </p:sp>
-      <p:sp>
-        <p:nvSpPr>
-          <p:cNvPr id="3" name="Content Placeholder 2"/>
-          <p:cNvSpPr>
-            <a:spLocks noGrp="1"/>
-          </p:cNvSpPr>
-          <p:nvPr>
-            <p:ph sz="quarter" idx="1"/>
-          </p:nvPr>
-        </p:nvSpPr>
-        <p:spPr/>
-        <p:txBody>
-          <a:bodyPr/>
-          <a:lstStyle/>
-          <a:p>
-            <a:endParaRPr lang="en-US"/>
-          </a:p>
-        </p:txBody>
-      </p:sp>
-    </p:spTree>
-    <p:extLst>
-      <p:ext uri="{BB962C8B-B14F-4D97-AF65-F5344CB8AC3E}">
-        <p14:creationId xmlns:p14="http://schemas.microsoft.com/office/powerpoint/2010/main" val="2857822548"/>
-      </p:ext>
-    </p:extLst>
-  </p:cSld>
-  <p:clrMapOvr>
-    <a:masterClrMapping/>
-  </p:clrMapOvr>
-</p:sld>
-</file>
-
-<file path=ppt/slides/slide6.xml><?xml version="1.0" encoding="utf-8"?>
-<p:sld xmlns:a="http://schemas.openxmlformats.org/drawingml/2006/main" xmlns:r="http://schemas.openxmlformats.org/officeDocument/2006/relationships" xmlns:p="http://schemas.openxmlformats.org/presentationml/2006/main">
-  <p:cSld>
-    <p:spTree>
-      <p:nvGrpSpPr>
-        <p:cNvPr id="1" name=""/>
-        <p:cNvGrpSpPr/>
-        <p:nvPr/>
-      </p:nvGrpSpPr>
-      <p:grpSpPr>
-        <a:xfrm>
-          <a:off x="0" y="0"/>
-          <a:ext cx="0" cy="0"/>
-          <a:chOff x="0" y="0"/>
-          <a:chExt cx="0" cy="0"/>
-        </a:xfrm>
-      </p:grpSpPr>
-      <p:sp>
-        <p:nvSpPr>
-          <p:cNvPr id="2" name="Title 1"/>
-          <p:cNvSpPr>
-            <a:spLocks noGrp="1"/>
-          </p:cNvSpPr>
-          <p:nvPr>
-            <p:ph type="title"/>
-          </p:nvPr>
-        </p:nvSpPr>
-        <p:spPr/>
-        <p:txBody>
           <a:bodyPr>
             <a:normAutofit/>
           </a:bodyPr>
@@ -5737,10 +5686,17 @@
   <p:clrMapOvr>
     <a:masterClrMapping/>
   </p:clrMapOvr>
+  <p:timing>
+    <p:tnLst>
+      <p:par>
+        <p:cTn id="1" dur="indefinite" restart="never" nodeType="tmRoot"/>
+      </p:par>
+    </p:tnLst>
+  </p:timing>
 </p:sld>
 </file>
 
-<file path=ppt/slides/slide7.xml><?xml version="1.0" encoding="utf-8"?>
+<file path=ppt/slides/slide6.xml><?xml version="1.0" encoding="utf-8"?>
 <p:sld xmlns:a="http://schemas.openxmlformats.org/drawingml/2006/main" xmlns:r="http://schemas.openxmlformats.org/officeDocument/2006/relationships" xmlns:p="http://schemas.openxmlformats.org/presentationml/2006/main">
   <p:cSld>
     <p:spTree>
@@ -6349,7 +6305,7 @@
 </p:sld>
 </file>
 
-<file path=ppt/slides/slide8.xml><?xml version="1.0" encoding="utf-8"?>
+<file path=ppt/slides/slide7.xml><?xml version="1.0" encoding="utf-8"?>
 <p:sld xmlns:a="http://schemas.openxmlformats.org/drawingml/2006/main" xmlns:r="http://schemas.openxmlformats.org/officeDocument/2006/relationships" xmlns:p="http://schemas.openxmlformats.org/presentationml/2006/main">
   <p:cSld>
     <p:spTree>
@@ -6430,6 +6386,852 @@
   <p:clrMapOvr>
     <a:masterClrMapping/>
   </p:clrMapOvr>
+</p:sld>
+</file>
+
+<file path=ppt/slides/slide8.xml><?xml version="1.0" encoding="utf-8"?>
+<p:sld xmlns:a="http://schemas.openxmlformats.org/drawingml/2006/main" xmlns:r="http://schemas.openxmlformats.org/officeDocument/2006/relationships" xmlns:p="http://schemas.openxmlformats.org/presentationml/2006/main">
+  <p:cSld>
+    <p:spTree>
+      <p:nvGrpSpPr>
+        <p:cNvPr id="1" name=""/>
+        <p:cNvGrpSpPr/>
+        <p:nvPr/>
+      </p:nvGrpSpPr>
+      <p:grpSpPr>
+        <a:xfrm>
+          <a:off x="0" y="0"/>
+          <a:ext cx="0" cy="0"/>
+          <a:chOff x="0" y="0"/>
+          <a:chExt cx="0" cy="0"/>
+        </a:xfrm>
+      </p:grpSpPr>
+      <p:sp>
+        <p:nvSpPr>
+          <p:cNvPr id="2" name="Title 1"/>
+          <p:cNvSpPr>
+            <a:spLocks noGrp="1"/>
+          </p:cNvSpPr>
+          <p:nvPr>
+            <p:ph type="title"/>
+          </p:nvPr>
+        </p:nvSpPr>
+        <p:spPr/>
+        <p:txBody>
+          <a:bodyPr/>
+          <a:lstStyle/>
+          <a:p>
+            <a:r>
+              <a:rPr lang="en-US" dirty="0" smtClean="0"/>
+              <a:t>Activity Diagram</a:t>
+            </a:r>
+            <a:endParaRPr lang="en-US" dirty="0"/>
+          </a:p>
+        </p:txBody>
+      </p:sp>
+      <p:grpSp>
+        <p:nvGrpSpPr>
+          <p:cNvPr id="4" name="Group 3"/>
+          <p:cNvGrpSpPr/>
+          <p:nvPr/>
+        </p:nvGrpSpPr>
+        <p:grpSpPr>
+          <a:xfrm>
+            <a:off x="533400" y="2057400"/>
+            <a:ext cx="8001000" cy="3962400"/>
+            <a:chOff x="381000" y="1219200"/>
+            <a:chExt cx="8001000" cy="3962400"/>
+          </a:xfrm>
+        </p:grpSpPr>
+        <p:sp>
+          <p:nvSpPr>
+            <p:cNvPr id="5" name="Oval 4"/>
+            <p:cNvSpPr/>
+            <p:nvPr/>
+          </p:nvSpPr>
+          <p:spPr>
+            <a:xfrm>
+              <a:off x="381000" y="1600200"/>
+              <a:ext cx="457200" cy="457200"/>
+            </a:xfrm>
+            <a:prstGeom prst="ellipse">
+              <a:avLst/>
+            </a:prstGeom>
+          </p:spPr>
+          <p:style>
+            <a:lnRef idx="2">
+              <a:schemeClr val="accent1">
+                <a:shade val="50000"/>
+              </a:schemeClr>
+            </a:lnRef>
+            <a:fillRef idx="1">
+              <a:schemeClr val="accent1"/>
+            </a:fillRef>
+            <a:effectRef idx="0">
+              <a:schemeClr val="accent1"/>
+            </a:effectRef>
+            <a:fontRef idx="minor">
+              <a:schemeClr val="lt1"/>
+            </a:fontRef>
+          </p:style>
+          <p:txBody>
+            <a:bodyPr rtlCol="0" anchor="ctr"/>
+            <a:lstStyle/>
+            <a:p>
+              <a:pPr algn="ctr"/>
+              <a:endParaRPr lang="en-US"/>
+            </a:p>
+          </p:txBody>
+        </p:sp>
+        <p:sp>
+          <p:nvSpPr>
+            <p:cNvPr id="6" name="Rounded Rectangle 5"/>
+            <p:cNvSpPr/>
+            <p:nvPr/>
+          </p:nvSpPr>
+          <p:spPr>
+            <a:xfrm>
+              <a:off x="1676400" y="1371600"/>
+              <a:ext cx="1524000" cy="914400"/>
+            </a:xfrm>
+            <a:prstGeom prst="roundRect">
+              <a:avLst/>
+            </a:prstGeom>
+          </p:spPr>
+          <p:style>
+            <a:lnRef idx="1">
+              <a:schemeClr val="accent1"/>
+            </a:lnRef>
+            <a:fillRef idx="2">
+              <a:schemeClr val="accent1"/>
+            </a:fillRef>
+            <a:effectRef idx="1">
+              <a:schemeClr val="accent1"/>
+            </a:effectRef>
+            <a:fontRef idx="minor">
+              <a:schemeClr val="dk1"/>
+            </a:fontRef>
+          </p:style>
+          <p:txBody>
+            <a:bodyPr rtlCol="0" anchor="ctr"/>
+            <a:lstStyle/>
+            <a:p>
+              <a:pPr algn="ctr"/>
+              <a:r>
+                <a:rPr lang="en-US" sz="1600" dirty="0" smtClean="0"/>
+                <a:t>User inputs / changes</a:t>
+              </a:r>
+              <a:r>
+                <a:rPr lang="en-US" sz="1000" dirty="0" smtClean="0"/>
+                <a:t> </a:t>
+              </a:r>
+              <a:r>
+                <a:rPr lang="en-US" sz="1600" dirty="0" smtClean="0"/>
+                <a:t>search parameters</a:t>
+              </a:r>
+            </a:p>
+          </p:txBody>
+        </p:sp>
+        <p:sp>
+          <p:nvSpPr>
+            <p:cNvPr id="7" name="Rounded Rectangle 6"/>
+            <p:cNvSpPr/>
+            <p:nvPr/>
+          </p:nvSpPr>
+          <p:spPr>
+            <a:xfrm>
+              <a:off x="4038600" y="1371600"/>
+              <a:ext cx="1524000" cy="914400"/>
+            </a:xfrm>
+            <a:prstGeom prst="roundRect">
+              <a:avLst/>
+            </a:prstGeom>
+          </p:spPr>
+          <p:style>
+            <a:lnRef idx="1">
+              <a:schemeClr val="accent1"/>
+            </a:lnRef>
+            <a:fillRef idx="2">
+              <a:schemeClr val="accent1"/>
+            </a:fillRef>
+            <a:effectRef idx="1">
+              <a:schemeClr val="accent1"/>
+            </a:effectRef>
+            <a:fontRef idx="minor">
+              <a:schemeClr val="dk1"/>
+            </a:fontRef>
+          </p:style>
+          <p:txBody>
+            <a:bodyPr rtlCol="0" anchor="ctr"/>
+            <a:lstStyle/>
+            <a:p>
+              <a:pPr algn="ctr"/>
+              <a:r>
+                <a:rPr lang="en-US" sz="1600" dirty="0" smtClean="0"/>
+                <a:t>Data base displays filters recipes</a:t>
+              </a:r>
+            </a:p>
+          </p:txBody>
+        </p:sp>
+        <p:cxnSp>
+          <p:nvCxnSpPr>
+            <p:cNvPr id="8" name="Straight Arrow Connector 7"/>
+            <p:cNvCxnSpPr>
+              <a:stCxn id="5" idx="6"/>
+              <a:endCxn id="6" idx="1"/>
+            </p:cNvCxnSpPr>
+            <p:nvPr/>
+          </p:nvCxnSpPr>
+          <p:spPr>
+            <a:xfrm>
+              <a:off x="838200" y="1828800"/>
+              <a:ext cx="838200" cy="0"/>
+            </a:xfrm>
+            <a:prstGeom prst="straightConnector1">
+              <a:avLst/>
+            </a:prstGeom>
+            <a:ln>
+              <a:tailEnd type="arrow"/>
+            </a:ln>
+          </p:spPr>
+          <p:style>
+            <a:lnRef idx="2">
+              <a:schemeClr val="dk1"/>
+            </a:lnRef>
+            <a:fillRef idx="0">
+              <a:schemeClr val="dk1"/>
+            </a:fillRef>
+            <a:effectRef idx="1">
+              <a:schemeClr val="dk1"/>
+            </a:effectRef>
+            <a:fontRef idx="minor">
+              <a:schemeClr val="tx1"/>
+            </a:fontRef>
+          </p:style>
+        </p:cxnSp>
+        <p:cxnSp>
+          <p:nvCxnSpPr>
+            <p:cNvPr id="9" name="Straight Arrow Connector 8"/>
+            <p:cNvCxnSpPr>
+              <a:stCxn id="6" idx="3"/>
+              <a:endCxn id="7" idx="1"/>
+            </p:cNvCxnSpPr>
+            <p:nvPr/>
+          </p:nvCxnSpPr>
+          <p:spPr>
+            <a:xfrm>
+              <a:off x="3200400" y="1828800"/>
+              <a:ext cx="838200" cy="0"/>
+            </a:xfrm>
+            <a:prstGeom prst="straightConnector1">
+              <a:avLst/>
+            </a:prstGeom>
+            <a:ln>
+              <a:tailEnd type="arrow"/>
+            </a:ln>
+          </p:spPr>
+          <p:style>
+            <a:lnRef idx="2">
+              <a:schemeClr val="dk1"/>
+            </a:lnRef>
+            <a:fillRef idx="0">
+              <a:schemeClr val="dk1"/>
+            </a:fillRef>
+            <a:effectRef idx="1">
+              <a:schemeClr val="dk1"/>
+            </a:effectRef>
+            <a:fontRef idx="minor">
+              <a:schemeClr val="tx1"/>
+            </a:fontRef>
+          </p:style>
+        </p:cxnSp>
+        <p:cxnSp>
+          <p:nvCxnSpPr>
+            <p:cNvPr id="10" name="Curved Connector 9"/>
+            <p:cNvCxnSpPr>
+              <a:stCxn id="7" idx="2"/>
+              <a:endCxn id="6" idx="2"/>
+            </p:cNvCxnSpPr>
+            <p:nvPr/>
+          </p:nvCxnSpPr>
+          <p:spPr>
+            <a:xfrm rot="5400000">
+              <a:off x="3619500" y="1104900"/>
+              <a:ext cx="12700" cy="2362200"/>
+            </a:xfrm>
+            <a:prstGeom prst="curvedConnector3">
+              <a:avLst>
+                <a:gd name="adj1" fmla="val 5566159"/>
+              </a:avLst>
+            </a:prstGeom>
+            <a:ln>
+              <a:tailEnd type="arrow"/>
+            </a:ln>
+          </p:spPr>
+          <p:style>
+            <a:lnRef idx="2">
+              <a:schemeClr val="dk1"/>
+            </a:lnRef>
+            <a:fillRef idx="0">
+              <a:schemeClr val="dk1"/>
+            </a:fillRef>
+            <a:effectRef idx="1">
+              <a:schemeClr val="dk1"/>
+            </a:effectRef>
+            <a:fontRef idx="minor">
+              <a:schemeClr val="tx1"/>
+            </a:fontRef>
+          </p:style>
+        </p:cxnSp>
+        <p:sp>
+          <p:nvSpPr>
+            <p:cNvPr id="11" name="Rounded Rectangle 10"/>
+            <p:cNvSpPr/>
+            <p:nvPr/>
+          </p:nvSpPr>
+          <p:spPr>
+            <a:xfrm>
+              <a:off x="6858000" y="1371600"/>
+              <a:ext cx="1524000" cy="914400"/>
+            </a:xfrm>
+            <a:prstGeom prst="roundRect">
+              <a:avLst/>
+            </a:prstGeom>
+          </p:spPr>
+          <p:style>
+            <a:lnRef idx="1">
+              <a:schemeClr val="accent1"/>
+            </a:lnRef>
+            <a:fillRef idx="2">
+              <a:schemeClr val="accent1"/>
+            </a:fillRef>
+            <a:effectRef idx="1">
+              <a:schemeClr val="accent1"/>
+            </a:effectRef>
+            <a:fontRef idx="minor">
+              <a:schemeClr val="dk1"/>
+            </a:fontRef>
+          </p:style>
+          <p:txBody>
+            <a:bodyPr rtlCol="0" anchor="ctr"/>
+            <a:lstStyle/>
+            <a:p>
+              <a:pPr algn="ctr"/>
+              <a:r>
+                <a:rPr lang="en-US" sz="1600" dirty="0" smtClean="0"/>
+                <a:t>View Recipe</a:t>
+              </a:r>
+            </a:p>
+          </p:txBody>
+        </p:sp>
+        <p:cxnSp>
+          <p:nvCxnSpPr>
+            <p:cNvPr id="12" name="Straight Arrow Connector 11"/>
+            <p:cNvCxnSpPr/>
+            <p:nvPr/>
+          </p:nvCxnSpPr>
+          <p:spPr>
+            <a:xfrm>
+              <a:off x="5562600" y="1828800"/>
+              <a:ext cx="1295400" cy="0"/>
+            </a:xfrm>
+            <a:prstGeom prst="straightConnector1">
+              <a:avLst/>
+            </a:prstGeom>
+            <a:ln>
+              <a:tailEnd type="arrow"/>
+            </a:ln>
+          </p:spPr>
+          <p:style>
+            <a:lnRef idx="2">
+              <a:schemeClr val="dk1"/>
+            </a:lnRef>
+            <a:fillRef idx="0">
+              <a:schemeClr val="dk1"/>
+            </a:fillRef>
+            <a:effectRef idx="1">
+              <a:schemeClr val="dk1"/>
+            </a:effectRef>
+            <a:fontRef idx="minor">
+              <a:schemeClr val="tx1"/>
+            </a:fontRef>
+          </p:style>
+        </p:cxnSp>
+        <p:cxnSp>
+          <p:nvCxnSpPr>
+            <p:cNvPr id="13" name="Straight Arrow Connector 12"/>
+            <p:cNvCxnSpPr/>
+            <p:nvPr/>
+          </p:nvCxnSpPr>
+          <p:spPr>
+            <a:xfrm>
+              <a:off x="5334000" y="2286000"/>
+              <a:ext cx="0" cy="914400"/>
+            </a:xfrm>
+            <a:prstGeom prst="straightConnector1">
+              <a:avLst/>
+            </a:prstGeom>
+            <a:ln>
+              <a:tailEnd type="arrow"/>
+            </a:ln>
+          </p:spPr>
+          <p:style>
+            <a:lnRef idx="2">
+              <a:schemeClr val="dk1"/>
+            </a:lnRef>
+            <a:fillRef idx="0">
+              <a:schemeClr val="dk1"/>
+            </a:fillRef>
+            <a:effectRef idx="1">
+              <a:schemeClr val="dk1"/>
+            </a:effectRef>
+            <a:fontRef idx="minor">
+              <a:schemeClr val="tx1"/>
+            </a:fontRef>
+          </p:style>
+        </p:cxnSp>
+        <p:cxnSp>
+          <p:nvCxnSpPr>
+            <p:cNvPr id="14" name="Straight Arrow Connector 13"/>
+            <p:cNvCxnSpPr/>
+            <p:nvPr/>
+          </p:nvCxnSpPr>
+          <p:spPr>
+            <a:xfrm>
+              <a:off x="7162800" y="2286000"/>
+              <a:ext cx="0" cy="914400"/>
+            </a:xfrm>
+            <a:prstGeom prst="straightConnector1">
+              <a:avLst/>
+            </a:prstGeom>
+            <a:ln>
+              <a:tailEnd type="arrow"/>
+            </a:ln>
+          </p:spPr>
+          <p:style>
+            <a:lnRef idx="2">
+              <a:schemeClr val="dk1"/>
+            </a:lnRef>
+            <a:fillRef idx="0">
+              <a:schemeClr val="dk1"/>
+            </a:fillRef>
+            <a:effectRef idx="1">
+              <a:schemeClr val="dk1"/>
+            </a:effectRef>
+            <a:fontRef idx="minor">
+              <a:schemeClr val="tx1"/>
+            </a:fontRef>
+          </p:style>
+        </p:cxnSp>
+        <p:sp>
+          <p:nvSpPr>
+            <p:cNvPr id="15" name="Rectangle 14"/>
+            <p:cNvSpPr/>
+            <p:nvPr/>
+          </p:nvSpPr>
+          <p:spPr>
+            <a:xfrm>
+              <a:off x="4648200" y="3200400"/>
+              <a:ext cx="3276600" cy="152400"/>
+            </a:xfrm>
+            <a:prstGeom prst="rect">
+              <a:avLst/>
+            </a:prstGeom>
+            <a:solidFill>
+              <a:schemeClr val="tx1"/>
+            </a:solidFill>
+          </p:spPr>
+          <p:style>
+            <a:lnRef idx="2">
+              <a:schemeClr val="accent1">
+                <a:shade val="50000"/>
+              </a:schemeClr>
+            </a:lnRef>
+            <a:fillRef idx="1">
+              <a:schemeClr val="accent1"/>
+            </a:fillRef>
+            <a:effectRef idx="0">
+              <a:schemeClr val="accent1"/>
+            </a:effectRef>
+            <a:fontRef idx="minor">
+              <a:schemeClr val="lt1"/>
+            </a:fontRef>
+          </p:style>
+          <p:txBody>
+            <a:bodyPr rtlCol="0" anchor="ctr"/>
+            <a:lstStyle/>
+            <a:p>
+              <a:pPr algn="ctr"/>
+              <a:endParaRPr lang="en-US"/>
+            </a:p>
+          </p:txBody>
+        </p:sp>
+        <p:sp>
+          <p:nvSpPr>
+            <p:cNvPr id="16" name="TextBox 15"/>
+            <p:cNvSpPr txBox="1"/>
+            <p:nvPr/>
+          </p:nvSpPr>
+          <p:spPr>
+            <a:xfrm>
+              <a:off x="5638800" y="1219200"/>
+              <a:ext cx="1219200" cy="646331"/>
+            </a:xfrm>
+            <a:prstGeom prst="rect">
+              <a:avLst/>
+            </a:prstGeom>
+            <a:noFill/>
+          </p:spPr>
+          <p:txBody>
+            <a:bodyPr wrap="square" rtlCol="0">
+              <a:spAutoFit/>
+            </a:bodyPr>
+            <a:lstStyle/>
+            <a:p>
+              <a:pPr algn="ctr"/>
+              <a:r>
+                <a:rPr lang="en-US" dirty="0" smtClean="0"/>
+                <a:t>User find recipe </a:t>
+              </a:r>
+              <a:endParaRPr lang="en-US" dirty="0"/>
+            </a:p>
+          </p:txBody>
+        </p:sp>
+        <p:sp>
+          <p:nvSpPr>
+            <p:cNvPr id="17" name="TextBox 16"/>
+            <p:cNvSpPr txBox="1"/>
+            <p:nvPr/>
+          </p:nvSpPr>
+          <p:spPr>
+            <a:xfrm>
+              <a:off x="5181600" y="2286000"/>
+              <a:ext cx="1219200" cy="923330"/>
+            </a:xfrm>
+            <a:prstGeom prst="rect">
+              <a:avLst/>
+            </a:prstGeom>
+            <a:noFill/>
+          </p:spPr>
+          <p:txBody>
+            <a:bodyPr wrap="square" rtlCol="0">
+              <a:spAutoFit/>
+            </a:bodyPr>
+            <a:lstStyle/>
+            <a:p>
+              <a:pPr algn="ctr"/>
+              <a:r>
+                <a:rPr lang="en-US" dirty="0" smtClean="0"/>
+                <a:t>Recipe does not exist</a:t>
+              </a:r>
+              <a:endParaRPr lang="en-US" dirty="0"/>
+            </a:p>
+          </p:txBody>
+        </p:sp>
+        <p:cxnSp>
+          <p:nvCxnSpPr>
+            <p:cNvPr id="18" name="Straight Arrow Connector 17"/>
+            <p:cNvCxnSpPr/>
+            <p:nvPr/>
+          </p:nvCxnSpPr>
+          <p:spPr>
+            <a:xfrm>
+              <a:off x="6324600" y="3352800"/>
+              <a:ext cx="0" cy="914400"/>
+            </a:xfrm>
+            <a:prstGeom prst="straightConnector1">
+              <a:avLst/>
+            </a:prstGeom>
+            <a:ln>
+              <a:tailEnd type="arrow"/>
+            </a:ln>
+          </p:spPr>
+          <p:style>
+            <a:lnRef idx="2">
+              <a:schemeClr val="dk1"/>
+            </a:lnRef>
+            <a:fillRef idx="0">
+              <a:schemeClr val="dk1"/>
+            </a:fillRef>
+            <a:effectRef idx="1">
+              <a:schemeClr val="dk1"/>
+            </a:effectRef>
+            <a:fontRef idx="minor">
+              <a:schemeClr val="tx1"/>
+            </a:fontRef>
+          </p:style>
+        </p:cxnSp>
+        <p:grpSp>
+          <p:nvGrpSpPr>
+            <p:cNvPr id="19" name="Group 18"/>
+            <p:cNvGrpSpPr/>
+            <p:nvPr/>
+          </p:nvGrpSpPr>
+          <p:grpSpPr>
+            <a:xfrm>
+              <a:off x="4191000" y="4419600"/>
+              <a:ext cx="533400" cy="533400"/>
+              <a:chOff x="0" y="0"/>
+              <a:chExt cx="6858000" cy="6858000"/>
+            </a:xfrm>
+          </p:grpSpPr>
+          <p:sp>
+            <p:nvSpPr>
+              <p:cNvPr id="25" name="Oval 24"/>
+              <p:cNvSpPr/>
+              <p:nvPr/>
+            </p:nvSpPr>
+            <p:spPr>
+              <a:xfrm>
+                <a:off x="533400" y="533400"/>
+                <a:ext cx="5791200" cy="5791200"/>
+              </a:xfrm>
+              <a:prstGeom prst="ellipse">
+                <a:avLst/>
+              </a:prstGeom>
+            </p:spPr>
+            <p:style>
+              <a:lnRef idx="2">
+                <a:schemeClr val="accent1">
+                  <a:shade val="50000"/>
+                </a:schemeClr>
+              </a:lnRef>
+              <a:fillRef idx="1">
+                <a:schemeClr val="accent1"/>
+              </a:fillRef>
+              <a:effectRef idx="0">
+                <a:schemeClr val="accent1"/>
+              </a:effectRef>
+              <a:fontRef idx="minor">
+                <a:schemeClr val="lt1"/>
+              </a:fontRef>
+            </p:style>
+            <p:txBody>
+              <a:bodyPr rtlCol="0" anchor="ctr"/>
+              <a:lstStyle/>
+              <a:p>
+                <a:pPr algn="ctr"/>
+                <a:endParaRPr lang="en-US"/>
+              </a:p>
+            </p:txBody>
+          </p:sp>
+          <p:sp>
+            <p:nvSpPr>
+              <p:cNvPr id="26" name="Oval 25"/>
+              <p:cNvSpPr/>
+              <p:nvPr/>
+            </p:nvSpPr>
+            <p:spPr>
+              <a:xfrm>
+                <a:off x="0" y="0"/>
+                <a:ext cx="6858000" cy="6858000"/>
+              </a:xfrm>
+              <a:prstGeom prst="ellipse">
+                <a:avLst/>
+              </a:prstGeom>
+              <a:noFill/>
+            </p:spPr>
+            <p:style>
+              <a:lnRef idx="2">
+                <a:schemeClr val="accent1">
+                  <a:shade val="50000"/>
+                </a:schemeClr>
+              </a:lnRef>
+              <a:fillRef idx="1">
+                <a:schemeClr val="accent1"/>
+              </a:fillRef>
+              <a:effectRef idx="0">
+                <a:schemeClr val="accent1"/>
+              </a:effectRef>
+              <a:fontRef idx="minor">
+                <a:schemeClr val="lt1"/>
+              </a:fontRef>
+            </p:style>
+            <p:txBody>
+              <a:bodyPr rtlCol="0" anchor="ctr"/>
+              <a:lstStyle/>
+              <a:p>
+                <a:pPr algn="ctr"/>
+                <a:endParaRPr lang="en-US"/>
+              </a:p>
+            </p:txBody>
+          </p:sp>
+        </p:grpSp>
+        <p:sp>
+          <p:nvSpPr>
+            <p:cNvPr id="20" name="TextBox 19"/>
+            <p:cNvSpPr txBox="1"/>
+            <p:nvPr/>
+          </p:nvSpPr>
+          <p:spPr>
+            <a:xfrm>
+              <a:off x="2819400" y="2971800"/>
+              <a:ext cx="1524000" cy="646331"/>
+            </a:xfrm>
+            <a:prstGeom prst="rect">
+              <a:avLst/>
+            </a:prstGeom>
+            <a:noFill/>
+          </p:spPr>
+          <p:txBody>
+            <a:bodyPr wrap="square" rtlCol="0">
+              <a:spAutoFit/>
+            </a:bodyPr>
+            <a:lstStyle/>
+            <a:p>
+              <a:pPr algn="ctr"/>
+              <a:r>
+                <a:rPr lang="en-US" dirty="0" smtClean="0"/>
+                <a:t>User does not find recipe </a:t>
+              </a:r>
+              <a:endParaRPr lang="en-US" dirty="0"/>
+            </a:p>
+          </p:txBody>
+        </p:sp>
+        <p:grpSp>
+          <p:nvGrpSpPr>
+            <p:cNvPr id="21" name="Group 20"/>
+            <p:cNvGrpSpPr/>
+            <p:nvPr/>
+          </p:nvGrpSpPr>
+          <p:grpSpPr>
+            <a:xfrm>
+              <a:off x="4724400" y="4648200"/>
+              <a:ext cx="1828800" cy="45719"/>
+              <a:chOff x="4724400" y="4648200"/>
+              <a:chExt cx="1060026" cy="38101"/>
+            </a:xfrm>
+          </p:grpSpPr>
+          <p:cxnSp>
+            <p:nvCxnSpPr>
+              <p:cNvPr id="23" name="Straight Arrow Connector 22"/>
+              <p:cNvCxnSpPr>
+                <a:stCxn id="25" idx="2"/>
+                <a:endCxn id="26" idx="6"/>
+              </p:cNvCxnSpPr>
+              <p:nvPr/>
+            </p:nvCxnSpPr>
+            <p:spPr>
+              <a:xfrm flipV="1">
+                <a:off x="4724400" y="4686300"/>
+                <a:ext cx="491913" cy="1"/>
+              </a:xfrm>
+              <a:prstGeom prst="straightConnector1">
+                <a:avLst/>
+              </a:prstGeom>
+              <a:ln>
+                <a:headEnd type="arrow"/>
+                <a:tailEnd type="none"/>
+              </a:ln>
+            </p:spPr>
+            <p:style>
+              <a:lnRef idx="2">
+                <a:schemeClr val="dk1"/>
+              </a:lnRef>
+              <a:fillRef idx="0">
+                <a:schemeClr val="dk1"/>
+              </a:fillRef>
+              <a:effectRef idx="1">
+                <a:schemeClr val="dk1"/>
+              </a:effectRef>
+              <a:fontRef idx="minor">
+                <a:schemeClr val="tx1"/>
+              </a:fontRef>
+            </p:style>
+          </p:cxnSp>
+          <p:cxnSp>
+            <p:nvCxnSpPr>
+              <p:cNvPr id="24" name="Straight Arrow Connector 23"/>
+              <p:cNvCxnSpPr/>
+              <p:nvPr/>
+            </p:nvCxnSpPr>
+            <p:spPr>
+              <a:xfrm flipV="1">
+                <a:off x="5292513" y="4648200"/>
+                <a:ext cx="491913" cy="1"/>
+              </a:xfrm>
+              <a:prstGeom prst="straightConnector1">
+                <a:avLst/>
+              </a:prstGeom>
+              <a:ln>
+                <a:tailEnd type="arrow"/>
+              </a:ln>
+            </p:spPr>
+            <p:style>
+              <a:lnRef idx="2">
+                <a:schemeClr val="dk1"/>
+              </a:lnRef>
+              <a:fillRef idx="0">
+                <a:schemeClr val="dk1"/>
+              </a:fillRef>
+              <a:effectRef idx="1">
+                <a:schemeClr val="dk1"/>
+              </a:effectRef>
+              <a:fontRef idx="minor">
+                <a:schemeClr val="tx1"/>
+              </a:fontRef>
+            </p:style>
+          </p:cxnSp>
+        </p:grpSp>
+        <p:sp>
+          <p:nvSpPr>
+            <p:cNvPr id="22" name="Rounded Rectangle 21"/>
+            <p:cNvSpPr/>
+            <p:nvPr/>
+          </p:nvSpPr>
+          <p:spPr>
+            <a:xfrm>
+              <a:off x="5562600" y="4267200"/>
+              <a:ext cx="1524000" cy="914400"/>
+            </a:xfrm>
+            <a:prstGeom prst="roundRect">
+              <a:avLst/>
+            </a:prstGeom>
+          </p:spPr>
+          <p:style>
+            <a:lnRef idx="1">
+              <a:schemeClr val="accent1"/>
+            </a:lnRef>
+            <a:fillRef idx="2">
+              <a:schemeClr val="accent1"/>
+            </a:fillRef>
+            <a:effectRef idx="1">
+              <a:schemeClr val="accent1"/>
+            </a:effectRef>
+            <a:fontRef idx="minor">
+              <a:schemeClr val="dk1"/>
+            </a:fontRef>
+          </p:style>
+          <p:txBody>
+            <a:bodyPr rtlCol="0" anchor="ctr"/>
+            <a:lstStyle/>
+            <a:p>
+              <a:pPr algn="ctr"/>
+              <a:r>
+                <a:rPr lang="en-US" sz="1600" dirty="0" smtClean="0"/>
+                <a:t>Main View</a:t>
+              </a:r>
+            </a:p>
+          </p:txBody>
+        </p:sp>
+      </p:grpSp>
+    </p:spTree>
+    <p:extLst>
+      <p:ext uri="{BB962C8B-B14F-4D97-AF65-F5344CB8AC3E}">
+        <p14:creationId xmlns:p14="http://schemas.microsoft.com/office/powerpoint/2010/main" val="3697011030"/>
+      </p:ext>
+    </p:extLst>
+  </p:cSld>
+  <p:clrMapOvr>
+    <a:masterClrMapping/>
+  </p:clrMapOvr>
+  <p:timing>
+    <p:tnLst>
+      <p:par>
+        <p:cTn id="1" dur="indefinite" restart="never" nodeType="tmRoot"/>
+      </p:par>
+    </p:tnLst>
+  </p:timing>
 </p:sld>
 </file>
 

--- a/Product Architecture.pptx
+++ b/Product Architecture.pptx
@@ -408,7 +408,7 @@
           <a:p>
             <a:fld id="{130FE80D-5E74-40FB-A2BF-534CF180AA25}" type="datetimeFigureOut">
               <a:rPr lang="en-US" smtClean="0"/>
-              <a:t>4/2/2017</a:t>
+              <a:t>4/9/2017</a:t>
             </a:fld>
             <a:endParaRPr lang="en-US"/>
           </a:p>
@@ -599,7 +599,7 @@
           <a:p>
             <a:fld id="{130FE80D-5E74-40FB-A2BF-534CF180AA25}" type="datetimeFigureOut">
               <a:rPr lang="en-US" smtClean="0"/>
-              <a:t>4/2/2017</a:t>
+              <a:t>4/9/2017</a:t>
             </a:fld>
             <a:endParaRPr lang="en-US"/>
           </a:p>
@@ -784,7 +784,7 @@
           <a:p>
             <a:fld id="{130FE80D-5E74-40FB-A2BF-534CF180AA25}" type="datetimeFigureOut">
               <a:rPr lang="en-US" smtClean="0"/>
-              <a:t>4/2/2017</a:t>
+              <a:t>4/9/2017</a:t>
             </a:fld>
             <a:endParaRPr lang="en-US"/>
           </a:p>
@@ -1047,7 +1047,7 @@
           <a:p>
             <a:fld id="{130FE80D-5E74-40FB-A2BF-534CF180AA25}" type="datetimeFigureOut">
               <a:rPr lang="en-US" smtClean="0"/>
-              <a:t>4/2/2017</a:t>
+              <a:t>4/9/2017</a:t>
             </a:fld>
             <a:endParaRPr lang="en-US"/>
           </a:p>
@@ -1463,7 +1463,7 @@
           <a:p>
             <a:fld id="{130FE80D-5E74-40FB-A2BF-534CF180AA25}" type="datetimeFigureOut">
               <a:rPr lang="en-US" smtClean="0"/>
-              <a:t>4/2/2017</a:t>
+              <a:t>4/9/2017</a:t>
             </a:fld>
             <a:endParaRPr lang="en-US"/>
           </a:p>
@@ -1705,7 +1705,7 @@
           <a:p>
             <a:fld id="{130FE80D-5E74-40FB-A2BF-534CF180AA25}" type="datetimeFigureOut">
               <a:rPr lang="en-US" smtClean="0"/>
-              <a:t>4/2/2017</a:t>
+              <a:t>4/9/2017</a:t>
             </a:fld>
             <a:endParaRPr lang="en-US"/>
           </a:p>
@@ -1941,7 +1941,7 @@
           <a:p>
             <a:fld id="{130FE80D-5E74-40FB-A2BF-534CF180AA25}" type="datetimeFigureOut">
               <a:rPr lang="en-US" smtClean="0"/>
-              <a:t>4/2/2017</a:t>
+              <a:t>4/9/2017</a:t>
             </a:fld>
             <a:endParaRPr lang="en-US"/>
           </a:p>
@@ -2136,7 +2136,7 @@
           <a:p>
             <a:fld id="{130FE80D-5E74-40FB-A2BF-534CF180AA25}" type="datetimeFigureOut">
               <a:rPr lang="en-US" smtClean="0"/>
-              <a:t>4/2/2017</a:t>
+              <a:t>4/9/2017</a:t>
             </a:fld>
             <a:endParaRPr lang="en-US"/>
           </a:p>
@@ -2234,7 +2234,7 @@
           <a:p>
             <a:fld id="{130FE80D-5E74-40FB-A2BF-534CF180AA25}" type="datetimeFigureOut">
               <a:rPr lang="en-US" smtClean="0"/>
-              <a:t>4/2/2017</a:t>
+              <a:t>4/9/2017</a:t>
             </a:fld>
             <a:endParaRPr lang="en-US"/>
           </a:p>
@@ -2370,7 +2370,7 @@
           <a:p>
             <a:fld id="{130FE80D-5E74-40FB-A2BF-534CF180AA25}" type="datetimeFigureOut">
               <a:rPr lang="en-US" smtClean="0"/>
-              <a:t>4/2/2017</a:t>
+              <a:t>4/9/2017</a:t>
             </a:fld>
             <a:endParaRPr lang="en-US"/>
           </a:p>
@@ -2888,7 +2888,7 @@
           <a:p>
             <a:fld id="{130FE80D-5E74-40FB-A2BF-534CF180AA25}" type="datetimeFigureOut">
               <a:rPr lang="en-US" smtClean="0"/>
-              <a:t>4/2/2017</a:t>
+              <a:t>4/9/2017</a:t>
             </a:fld>
             <a:endParaRPr lang="en-US"/>
           </a:p>
@@ -3149,7 +3149,7 @@
           <a:p>
             <a:fld id="{130FE80D-5E74-40FB-A2BF-534CF180AA25}" type="datetimeFigureOut">
               <a:rPr lang="en-US" smtClean="0"/>
-              <a:t>4/2/2017</a:t>
+              <a:t>4/9/2017</a:t>
             </a:fld>
             <a:endParaRPr lang="en-US"/>
           </a:p>
@@ -3837,6 +3837,13 @@
   <p:clrMapOvr>
     <a:masterClrMapping/>
   </p:clrMapOvr>
+  <p:timing>
+    <p:tnLst>
+      <p:par>
+        <p:cTn id="1" dur="indefinite" restart="never" nodeType="tmRoot"/>
+      </p:par>
+    </p:tnLst>
+  </p:timing>
 </p:sld>
 </file>
 
@@ -3921,6 +3928,13 @@
   <p:clrMapOvr>
     <a:masterClrMapping/>
   </p:clrMapOvr>
+  <p:timing>
+    <p:tnLst>
+      <p:par>
+        <p:cTn id="1" dur="indefinite" restart="never" nodeType="tmRoot"/>
+      </p:par>
+    </p:tnLst>
+  </p:timing>
 </p:sld>
 </file>
 
@@ -3964,222 +3978,237 @@
           </a:p>
         </p:txBody>
       </p:sp>
-      <p:sp>
-        <p:nvSpPr>
-          <p:cNvPr id="4" name="Rectangle 3"/>
-          <p:cNvSpPr/>
+      <p:grpSp>
+        <p:nvGrpSpPr>
+          <p:cNvPr id="3" name="Group 2"/>
+          <p:cNvGrpSpPr/>
           <p:nvPr/>
-        </p:nvSpPr>
-        <p:spPr>
-          <a:xfrm>
-            <a:off x="457200" y="2209800"/>
-            <a:ext cx="8153400" cy="1143000"/>
-          </a:xfrm>
-          <a:prstGeom prst="rect">
-            <a:avLst/>
-          </a:prstGeom>
-          <a:solidFill>
-            <a:srgbClr val="775F55"/>
-          </a:solidFill>
-          <a:ln w="25400">
+        </p:nvGrpSpPr>
+        <p:grpSpPr>
+          <a:xfrm>
+            <a:off x="455776" y="2209800"/>
+            <a:ext cx="8188294" cy="3886200"/>
+            <a:chOff x="455776" y="2209800"/>
+            <a:chExt cx="8188294" cy="3886200"/>
+          </a:xfrm>
+        </p:grpSpPr>
+        <p:sp>
+          <p:nvSpPr>
+            <p:cNvPr id="4" name="Rectangle 3"/>
+            <p:cNvSpPr/>
+            <p:nvPr/>
+          </p:nvSpPr>
+          <p:spPr>
+            <a:xfrm>
+              <a:off x="457200" y="2209800"/>
+              <a:ext cx="8153400" cy="1143000"/>
+            </a:xfrm>
+            <a:prstGeom prst="rect">
+              <a:avLst/>
+            </a:prstGeom>
             <a:solidFill>
-              <a:schemeClr val="bg2">
-                <a:lumMod val="10000"/>
+              <a:srgbClr val="775F55"/>
+            </a:solidFill>
+            <a:ln w="25400">
+              <a:solidFill>
+                <a:schemeClr val="bg2">
+                  <a:lumMod val="10000"/>
+                </a:schemeClr>
+              </a:solidFill>
+            </a:ln>
+          </p:spPr>
+          <p:style>
+            <a:lnRef idx="2">
+              <a:schemeClr val="accent1">
+                <a:shade val="50000"/>
               </a:schemeClr>
+            </a:lnRef>
+            <a:fillRef idx="1">
+              <a:schemeClr val="accent1"/>
+            </a:fillRef>
+            <a:effectRef idx="0">
+              <a:schemeClr val="accent1"/>
+            </a:effectRef>
+            <a:fontRef idx="minor">
+              <a:schemeClr val="lt1"/>
+            </a:fontRef>
+          </p:style>
+          <p:txBody>
+            <a:bodyPr rtlCol="0" anchor="ctr"/>
+            <a:lstStyle/>
+            <a:p>
+              <a:pPr algn="ctr"/>
+              <a:r>
+                <a:rPr lang="en-US" sz="3200" dirty="0" smtClean="0"/>
+                <a:t>Android Material Design UI</a:t>
+              </a:r>
+              <a:endParaRPr lang="en-US" sz="3200" dirty="0"/>
+            </a:p>
+          </p:txBody>
+        </p:sp>
+        <p:sp>
+          <p:nvSpPr>
+            <p:cNvPr id="5" name="Rectangle 4"/>
+            <p:cNvSpPr/>
+            <p:nvPr/>
+          </p:nvSpPr>
+          <p:spPr>
+            <a:xfrm>
+              <a:off x="457200" y="3581400"/>
+              <a:ext cx="8153400" cy="1143000"/>
+            </a:xfrm>
+            <a:prstGeom prst="rect">
+              <a:avLst/>
+            </a:prstGeom>
+            <a:solidFill>
+              <a:srgbClr val="775F55"/>
             </a:solidFill>
-          </a:ln>
-        </p:spPr>
-        <p:style>
-          <a:lnRef idx="2">
-            <a:schemeClr val="accent1">
-              <a:shade val="50000"/>
-            </a:schemeClr>
-          </a:lnRef>
-          <a:fillRef idx="1">
-            <a:schemeClr val="accent1"/>
-          </a:fillRef>
-          <a:effectRef idx="0">
-            <a:schemeClr val="accent1"/>
-          </a:effectRef>
-          <a:fontRef idx="minor">
-            <a:schemeClr val="lt1"/>
-          </a:fontRef>
-        </p:style>
-        <p:txBody>
-          <a:bodyPr rtlCol="0" anchor="ctr"/>
-          <a:lstStyle/>
-          <a:p>
-            <a:pPr algn="ctr"/>
-            <a:r>
-              <a:rPr lang="en-US" sz="3200" dirty="0" smtClean="0"/>
-              <a:t>Android Material Design UI</a:t>
-            </a:r>
-            <a:endParaRPr lang="en-US" sz="3200" dirty="0"/>
-          </a:p>
-        </p:txBody>
-      </p:sp>
-      <p:sp>
-        <p:nvSpPr>
-          <p:cNvPr id="5" name="Rectangle 4"/>
-          <p:cNvSpPr/>
-          <p:nvPr/>
-        </p:nvSpPr>
-        <p:spPr>
-          <a:xfrm>
-            <a:off x="457200" y="3581400"/>
-            <a:ext cx="8153400" cy="1143000"/>
-          </a:xfrm>
-          <a:prstGeom prst="rect">
-            <a:avLst/>
-          </a:prstGeom>
-          <a:solidFill>
-            <a:srgbClr val="775F55"/>
-          </a:solidFill>
-          <a:ln w="25400">
+            <a:ln w="25400">
+              <a:solidFill>
+                <a:schemeClr val="bg2">
+                  <a:lumMod val="10000"/>
+                </a:schemeClr>
+              </a:solidFill>
+            </a:ln>
+          </p:spPr>
+          <p:style>
+            <a:lnRef idx="2">
+              <a:schemeClr val="accent1">
+                <a:shade val="50000"/>
+              </a:schemeClr>
+            </a:lnRef>
+            <a:fillRef idx="1">
+              <a:schemeClr val="accent1"/>
+            </a:fillRef>
+            <a:effectRef idx="0">
+              <a:schemeClr val="accent1"/>
+            </a:effectRef>
+            <a:fontRef idx="minor">
+              <a:schemeClr val="lt1"/>
+            </a:fontRef>
+          </p:style>
+          <p:txBody>
+            <a:bodyPr rtlCol="0" anchor="ctr"/>
+            <a:lstStyle/>
+            <a:p>
+              <a:pPr algn="ctr"/>
+              <a:r>
+                <a:rPr lang="en-US" sz="3200" dirty="0" smtClean="0"/>
+                <a:t>Application Code</a:t>
+              </a:r>
+              <a:endParaRPr lang="en-US" sz="3200" dirty="0"/>
+            </a:p>
+          </p:txBody>
+        </p:sp>
+        <p:sp>
+          <p:nvSpPr>
+            <p:cNvPr id="6" name="Rectangle 5"/>
+            <p:cNvSpPr/>
+            <p:nvPr/>
+          </p:nvSpPr>
+          <p:spPr>
+            <a:xfrm>
+              <a:off x="455776" y="4953000"/>
+              <a:ext cx="3811424" cy="1143000"/>
+            </a:xfrm>
+            <a:prstGeom prst="rect">
+              <a:avLst/>
+            </a:prstGeom>
             <a:solidFill>
-              <a:schemeClr val="bg2">
-                <a:lumMod val="10000"/>
+              <a:srgbClr val="775F55"/>
+            </a:solidFill>
+            <a:ln w="25400">
+              <a:solidFill>
+                <a:schemeClr val="bg2">
+                  <a:lumMod val="10000"/>
+                </a:schemeClr>
+              </a:solidFill>
+            </a:ln>
+          </p:spPr>
+          <p:style>
+            <a:lnRef idx="2">
+              <a:schemeClr val="accent1">
+                <a:shade val="50000"/>
               </a:schemeClr>
+            </a:lnRef>
+            <a:fillRef idx="1">
+              <a:schemeClr val="accent1"/>
+            </a:fillRef>
+            <a:effectRef idx="0">
+              <a:schemeClr val="accent1"/>
+            </a:effectRef>
+            <a:fontRef idx="minor">
+              <a:schemeClr val="lt1"/>
+            </a:fontRef>
+          </p:style>
+          <p:txBody>
+            <a:bodyPr rtlCol="0" anchor="ctr"/>
+            <a:lstStyle/>
+            <a:p>
+              <a:pPr algn="ctr"/>
+              <a:r>
+                <a:rPr lang="en-US" sz="3200" dirty="0" smtClean="0"/>
+                <a:t>Android OS</a:t>
+              </a:r>
+              <a:endParaRPr lang="en-US" sz="3200" dirty="0"/>
+            </a:p>
+          </p:txBody>
+        </p:sp>
+        <p:sp>
+          <p:nvSpPr>
+            <p:cNvPr id="7" name="Rectangle 6"/>
+            <p:cNvSpPr/>
+            <p:nvPr/>
+          </p:nvSpPr>
+          <p:spPr>
+            <a:xfrm>
+              <a:off x="4724399" y="4953000"/>
+              <a:ext cx="3919671" cy="1143000"/>
+            </a:xfrm>
+            <a:prstGeom prst="rect">
+              <a:avLst/>
+            </a:prstGeom>
+            <a:solidFill>
+              <a:srgbClr val="775F55"/>
             </a:solidFill>
-          </a:ln>
-        </p:spPr>
-        <p:style>
-          <a:lnRef idx="2">
-            <a:schemeClr val="accent1">
-              <a:shade val="50000"/>
-            </a:schemeClr>
-          </a:lnRef>
-          <a:fillRef idx="1">
-            <a:schemeClr val="accent1"/>
-          </a:fillRef>
-          <a:effectRef idx="0">
-            <a:schemeClr val="accent1"/>
-          </a:effectRef>
-          <a:fontRef idx="minor">
-            <a:schemeClr val="lt1"/>
-          </a:fontRef>
-        </p:style>
-        <p:txBody>
-          <a:bodyPr rtlCol="0" anchor="ctr"/>
-          <a:lstStyle/>
-          <a:p>
-            <a:pPr algn="ctr"/>
-            <a:r>
-              <a:rPr lang="en-US" sz="3200" dirty="0" smtClean="0"/>
-              <a:t>Application Code</a:t>
-            </a:r>
-            <a:endParaRPr lang="en-US" sz="3200" dirty="0"/>
-          </a:p>
-        </p:txBody>
-      </p:sp>
-      <p:sp>
-        <p:nvSpPr>
-          <p:cNvPr id="6" name="Rectangle 5"/>
-          <p:cNvSpPr/>
-          <p:nvPr/>
-        </p:nvSpPr>
-        <p:spPr>
-          <a:xfrm>
-            <a:off x="455776" y="4953000"/>
-            <a:ext cx="3811424" cy="1143000"/>
-          </a:xfrm>
-          <a:prstGeom prst="rect">
-            <a:avLst/>
-          </a:prstGeom>
-          <a:solidFill>
-            <a:srgbClr val="775F55"/>
-          </a:solidFill>
-          <a:ln w="25400">
-            <a:solidFill>
-              <a:schemeClr val="bg2">
-                <a:lumMod val="10000"/>
+            <a:ln w="25400">
+              <a:solidFill>
+                <a:schemeClr val="bg2">
+                  <a:lumMod val="10000"/>
+                </a:schemeClr>
+              </a:solidFill>
+            </a:ln>
+          </p:spPr>
+          <p:style>
+            <a:lnRef idx="2">
+              <a:schemeClr val="accent1">
+                <a:shade val="50000"/>
               </a:schemeClr>
-            </a:solidFill>
-          </a:ln>
-        </p:spPr>
-        <p:style>
-          <a:lnRef idx="2">
-            <a:schemeClr val="accent1">
-              <a:shade val="50000"/>
-            </a:schemeClr>
-          </a:lnRef>
-          <a:fillRef idx="1">
-            <a:schemeClr val="accent1"/>
-          </a:fillRef>
-          <a:effectRef idx="0">
-            <a:schemeClr val="accent1"/>
-          </a:effectRef>
-          <a:fontRef idx="minor">
-            <a:schemeClr val="lt1"/>
-          </a:fontRef>
-        </p:style>
-        <p:txBody>
-          <a:bodyPr rtlCol="0" anchor="ctr"/>
-          <a:lstStyle/>
-          <a:p>
-            <a:pPr algn="ctr"/>
-            <a:r>
-              <a:rPr lang="en-US" sz="3200" dirty="0" smtClean="0"/>
-              <a:t>Android OS</a:t>
-            </a:r>
-            <a:endParaRPr lang="en-US" sz="3200" dirty="0"/>
-          </a:p>
-        </p:txBody>
-      </p:sp>
-      <p:sp>
-        <p:nvSpPr>
-          <p:cNvPr id="7" name="Rectangle 6"/>
-          <p:cNvSpPr/>
-          <p:nvPr/>
-        </p:nvSpPr>
-        <p:spPr>
-          <a:xfrm>
-            <a:off x="4724399" y="4953000"/>
-            <a:ext cx="3919671" cy="1143000"/>
-          </a:xfrm>
-          <a:prstGeom prst="rect">
-            <a:avLst/>
-          </a:prstGeom>
-          <a:solidFill>
-            <a:srgbClr val="775F55"/>
-          </a:solidFill>
-          <a:ln w="25400">
-            <a:solidFill>
-              <a:schemeClr val="bg2">
-                <a:lumMod val="10000"/>
-              </a:schemeClr>
-            </a:solidFill>
-          </a:ln>
-        </p:spPr>
-        <p:style>
-          <a:lnRef idx="2">
-            <a:schemeClr val="accent1">
-              <a:shade val="50000"/>
-            </a:schemeClr>
-          </a:lnRef>
-          <a:fillRef idx="1">
-            <a:schemeClr val="accent1"/>
-          </a:fillRef>
-          <a:effectRef idx="0">
-            <a:schemeClr val="accent1"/>
-          </a:effectRef>
-          <a:fontRef idx="minor">
-            <a:schemeClr val="lt1"/>
-          </a:fontRef>
-        </p:style>
-        <p:txBody>
-          <a:bodyPr rtlCol="0" anchor="ctr"/>
-          <a:lstStyle/>
-          <a:p>
-            <a:pPr algn="ctr"/>
-            <a:r>
-              <a:rPr lang="en-US" sz="3200" dirty="0" smtClean="0"/>
-              <a:t>SQLite DB</a:t>
-            </a:r>
-            <a:endParaRPr lang="en-US" sz="3200" dirty="0"/>
-          </a:p>
-        </p:txBody>
-      </p:sp>
+            </a:lnRef>
+            <a:fillRef idx="1">
+              <a:schemeClr val="accent1"/>
+            </a:fillRef>
+            <a:effectRef idx="0">
+              <a:schemeClr val="accent1"/>
+            </a:effectRef>
+            <a:fontRef idx="minor">
+              <a:schemeClr val="lt1"/>
+            </a:fontRef>
+          </p:style>
+          <p:txBody>
+            <a:bodyPr rtlCol="0" anchor="ctr"/>
+            <a:lstStyle/>
+            <a:p>
+              <a:pPr algn="ctr"/>
+              <a:r>
+                <a:rPr lang="en-US" sz="3200" dirty="0" smtClean="0"/>
+                <a:t>SQLite DB</a:t>
+              </a:r>
+              <a:endParaRPr lang="en-US" sz="3200" dirty="0"/>
+            </a:p>
+          </p:txBody>
+        </p:sp>
+      </p:grpSp>
     </p:spTree>
     <p:extLst>
       <p:ext uri="{BB962C8B-B14F-4D97-AF65-F5344CB8AC3E}">
@@ -4681,7 +4710,11 @@
             <a:pPr algn="ctr"/>
             <a:r>
               <a:rPr lang="en-US" dirty="0" smtClean="0"/>
-              <a:t>Add/Edit Recipe</a:t>
+              <a:t>Add </a:t>
+            </a:r>
+            <a:r>
+              <a:rPr lang="en-US" dirty="0" smtClean="0"/>
+              <a:t>Recipe</a:t>
             </a:r>
             <a:endParaRPr lang="en-US" dirty="0"/>
           </a:p>
@@ -8467,6 +8500,13 @@
   <p:clrMapOvr>
     <a:masterClrMapping/>
   </p:clrMapOvr>
+  <p:timing>
+    <p:tnLst>
+      <p:par>
+        <p:cTn id="1" dur="indefinite" restart="never" nodeType="tmRoot"/>
+      </p:par>
+    </p:tnLst>
+  </p:timing>
 </p:sld>
 </file>
 
